--- a/docs/predstavitev_text.pptx
+++ b/docs/predstavitev_text.pptx
@@ -273,7 +273,7 @@
           <a:p>
             <a:fld id="{3E7FE2AD-ED8E-4EF7-9DE7-96B888023262}" type="datetimeFigureOut">
               <a:rPr lang="en-SI" smtClean="0"/>
-              <a:t>23/05/2020</a:t>
+              <a:t>27/05/2020</a:t>
             </a:fld>
             <a:endParaRPr lang="en-SI"/>
           </a:p>
@@ -473,7 +473,7 @@
           <a:p>
             <a:fld id="{3E7FE2AD-ED8E-4EF7-9DE7-96B888023262}" type="datetimeFigureOut">
               <a:rPr lang="en-SI" smtClean="0"/>
-              <a:t>23/05/2020</a:t>
+              <a:t>27/05/2020</a:t>
             </a:fld>
             <a:endParaRPr lang="en-SI"/>
           </a:p>
@@ -683,7 +683,7 @@
           <a:p>
             <a:fld id="{3E7FE2AD-ED8E-4EF7-9DE7-96B888023262}" type="datetimeFigureOut">
               <a:rPr lang="en-SI" smtClean="0"/>
-              <a:t>23/05/2020</a:t>
+              <a:t>27/05/2020</a:t>
             </a:fld>
             <a:endParaRPr lang="en-SI"/>
           </a:p>
@@ -883,7 +883,7 @@
           <a:p>
             <a:fld id="{3E7FE2AD-ED8E-4EF7-9DE7-96B888023262}" type="datetimeFigureOut">
               <a:rPr lang="en-SI" smtClean="0"/>
-              <a:t>23/05/2020</a:t>
+              <a:t>27/05/2020</a:t>
             </a:fld>
             <a:endParaRPr lang="en-SI"/>
           </a:p>
@@ -1159,7 +1159,7 @@
           <a:p>
             <a:fld id="{3E7FE2AD-ED8E-4EF7-9DE7-96B888023262}" type="datetimeFigureOut">
               <a:rPr lang="en-SI" smtClean="0"/>
-              <a:t>23/05/2020</a:t>
+              <a:t>27/05/2020</a:t>
             </a:fld>
             <a:endParaRPr lang="en-SI"/>
           </a:p>
@@ -1427,7 +1427,7 @@
           <a:p>
             <a:fld id="{3E7FE2AD-ED8E-4EF7-9DE7-96B888023262}" type="datetimeFigureOut">
               <a:rPr lang="en-SI" smtClean="0"/>
-              <a:t>23/05/2020</a:t>
+              <a:t>27/05/2020</a:t>
             </a:fld>
             <a:endParaRPr lang="en-SI"/>
           </a:p>
@@ -1842,7 +1842,7 @@
           <a:p>
             <a:fld id="{3E7FE2AD-ED8E-4EF7-9DE7-96B888023262}" type="datetimeFigureOut">
               <a:rPr lang="en-SI" smtClean="0"/>
-              <a:t>23/05/2020</a:t>
+              <a:t>27/05/2020</a:t>
             </a:fld>
             <a:endParaRPr lang="en-SI"/>
           </a:p>
@@ -1984,7 +1984,7 @@
           <a:p>
             <a:fld id="{3E7FE2AD-ED8E-4EF7-9DE7-96B888023262}" type="datetimeFigureOut">
               <a:rPr lang="en-SI" smtClean="0"/>
-              <a:t>23/05/2020</a:t>
+              <a:t>27/05/2020</a:t>
             </a:fld>
             <a:endParaRPr lang="en-SI"/>
           </a:p>
@@ -2097,7 +2097,7 @@
           <a:p>
             <a:fld id="{3E7FE2AD-ED8E-4EF7-9DE7-96B888023262}" type="datetimeFigureOut">
               <a:rPr lang="en-SI" smtClean="0"/>
-              <a:t>23/05/2020</a:t>
+              <a:t>27/05/2020</a:t>
             </a:fld>
             <a:endParaRPr lang="en-SI"/>
           </a:p>
@@ -2410,7 +2410,7 @@
           <a:p>
             <a:fld id="{3E7FE2AD-ED8E-4EF7-9DE7-96B888023262}" type="datetimeFigureOut">
               <a:rPr lang="en-SI" smtClean="0"/>
-              <a:t>23/05/2020</a:t>
+              <a:t>27/05/2020</a:t>
             </a:fld>
             <a:endParaRPr lang="en-SI"/>
           </a:p>
@@ -2699,7 +2699,7 @@
           <a:p>
             <a:fld id="{3E7FE2AD-ED8E-4EF7-9DE7-96B888023262}" type="datetimeFigureOut">
               <a:rPr lang="en-SI" smtClean="0"/>
-              <a:t>23/05/2020</a:t>
+              <a:t>27/05/2020</a:t>
             </a:fld>
             <a:endParaRPr lang="en-SI"/>
           </a:p>
@@ -2942,7 +2942,7 @@
           <a:p>
             <a:fld id="{3E7FE2AD-ED8E-4EF7-9DE7-96B888023262}" type="datetimeFigureOut">
               <a:rPr lang="en-SI" smtClean="0"/>
-              <a:t>23/05/2020</a:t>
+              <a:t>27/05/2020</a:t>
             </a:fld>
             <a:endParaRPr lang="en-SI"/>
           </a:p>
@@ -3466,7 +3466,7 @@
           <a:p>
             <a:r>
               <a:rPr lang="sl-SI" dirty="0"/>
-              <a:t>Jacobijeva matrika</a:t>
+              <a:t>Jacobijeva matrika - Domen</a:t>
             </a:r>
             <a:endParaRPr lang="en-SI" dirty="0"/>
           </a:p>
@@ -3598,7 +3598,7 @@
           <a:p>
             <a:r>
               <a:rPr lang="sl-SI" dirty="0"/>
-              <a:t>CENTER</a:t>
+              <a:t>CENTER - Domen</a:t>
             </a:r>
             <a:endParaRPr lang="en-SI" dirty="0"/>
           </a:p>
@@ -3698,7 +3698,7 @@
           <a:p>
             <a:r>
               <a:rPr lang="sl-SI" dirty="0"/>
-              <a:t>SPIRALNI LIJAK</a:t>
+              <a:t>SPIRALNI LIJAK - Domen</a:t>
             </a:r>
             <a:endParaRPr lang="en-SI" dirty="0"/>
           </a:p>
@@ -3797,7 +3797,7 @@
           <a:p>
             <a:r>
               <a:rPr lang="sl-SI" dirty="0"/>
-              <a:t>SPIRALNI IZVIR</a:t>
+              <a:t>SPIRALNI IZVIR - Domen</a:t>
             </a:r>
             <a:endParaRPr lang="en-SI" dirty="0"/>
           </a:p>
@@ -3893,7 +3893,7 @@
           <a:p>
             <a:r>
               <a:rPr lang="sl-SI" dirty="0"/>
-              <a:t>Opis problema/naloge</a:t>
+              <a:t>Opis problema/naloge - Larsen</a:t>
             </a:r>
             <a:endParaRPr lang="en-SI" dirty="0"/>
           </a:p>
@@ -4007,7 +4007,7 @@
           <a:p>
             <a:r>
               <a:rPr lang="sl-SI" dirty="0"/>
-              <a:t>Dinamika populacije</a:t>
+              <a:t>Dinamika populacije - Larsen</a:t>
             </a:r>
             <a:endParaRPr lang="en-SI" dirty="0"/>
           </a:p>
@@ -4107,7 +4107,7 @@
           <a:p>
             <a:r>
               <a:rPr lang="sl-SI" dirty="0"/>
-              <a:t>Naloga 1</a:t>
+              <a:t>Naloga 1 - Mustafa</a:t>
             </a:r>
             <a:endParaRPr lang="en-SI" dirty="0"/>
           </a:p>
@@ -4200,7 +4200,11 @@
           <a:bodyPr/>
           <a:lstStyle/>
           <a:p>
-            <a:endParaRPr lang="en-SI"/>
+            <a:r>
+              <a:rPr lang="sl-SI" dirty="0"/>
+              <a:t>Nadaljevanje Naloga 1 - Mustafa</a:t>
+            </a:r>
+            <a:endParaRPr lang="en-SI" dirty="0"/>
           </a:p>
         </p:txBody>
       </p:sp>
@@ -4294,7 +4298,7 @@
           <a:p>
             <a:r>
               <a:rPr lang="sl-SI" dirty="0"/>
-              <a:t>Naloga 2</a:t>
+              <a:t>Naloga 2 - Mustafa</a:t>
             </a:r>
             <a:endParaRPr lang="en-SI" dirty="0"/>
           </a:p>
@@ -4399,7 +4403,7 @@
           <a:p>
             <a:r>
               <a:rPr lang="sl-SI" dirty="0"/>
-              <a:t>Naloga 3</a:t>
+              <a:t>Naloga 3 - Mustafa</a:t>
             </a:r>
             <a:endParaRPr lang="en-SI" dirty="0"/>
           </a:p>
@@ -4497,7 +4501,11 @@
           <a:bodyPr/>
           <a:lstStyle/>
           <a:p>
-            <a:endParaRPr lang="en-SI"/>
+            <a:r>
+              <a:rPr lang="sl-SI" dirty="0"/>
+              <a:t>Naloga 4 - Mustafa</a:t>
+            </a:r>
+            <a:endParaRPr lang="en-SI" dirty="0"/>
           </a:p>
         </p:txBody>
       </p:sp>
@@ -4595,7 +4603,7 @@
           <a:p>
             <a:r>
               <a:rPr lang="sl-SI" dirty="0"/>
-              <a:t>Naloga 5</a:t>
+              <a:t>Naloga 5 - Domen</a:t>
             </a:r>
             <a:endParaRPr lang="en-SI" dirty="0"/>
           </a:p>
@@ -4625,6 +4633,12 @@
             <a:r>
               <a:rPr lang="sl-SI" dirty="0"/>
               <a:t>Simulirati in raziskati ciklicno obnasanje, asimptoticno ciklicno in kaos</a:t>
+            </a:r>
+          </a:p>
+          <a:p>
+            <a:r>
+              <a:rPr lang="sl-SI" dirty="0"/>
+              <a:t>Lastne vrednosti ...</a:t>
             </a:r>
             <a:endParaRPr lang="en-SI" dirty="0"/>
           </a:p>

--- a/docs/predstavitev_text.pptx
+++ b/docs/predstavitev_text.pptx
@@ -23,7 +23,7 @@
   <p:notesSz cx="6858000" cy="9144000"/>
   <p:defaultTextStyle>
     <a:defPPr>
-      <a:defRPr lang="en-SI"/>
+      <a:defRPr lang="x-none"/>
     </a:defPPr>
     <a:lvl1pPr marL="0" algn="l" defTabSz="914400" rtl="0" eaLnBrk="1" latinLnBrk="0" hangingPunct="1">
       <a:defRPr sz="1800" kern="1200">
@@ -118,7 +118,7 @@
   </p:defaultTextStyle>
   <p:extLst>
     <p:ext uri="{EFAFB233-063F-42B5-8137-9DF3F51BA10A}">
-      <p15:sldGuideLst xmlns:p15="http://schemas.microsoft.com/office/powerpoint/2012/main"/>
+      <p15:sldGuideLst xmlns:p15="http://schemas.microsoft.com/office/powerpoint/2012/main" xmlns=""/>
     </p:ext>
   </p:extLst>
 </p:presentation>
@@ -146,7 +146,7 @@
           <p:cNvPr id="2" name="Title 1">
             <a:extLst>
               <a:ext uri="{FF2B5EF4-FFF2-40B4-BE49-F238E27FC236}">
-                <a16:creationId xmlns:a16="http://schemas.microsoft.com/office/drawing/2014/main" id="{FB99CB34-725B-489A-BB93-2E9B010905AE}"/>
+                <a16:creationId xmlns:a16="http://schemas.microsoft.com/office/drawing/2014/main" xmlns="" id="{FB99CB34-725B-489A-BB93-2E9B010905AE}"/>
               </a:ext>
             </a:extLst>
           </p:cNvPr>
@@ -175,7 +175,7 @@
               <a:rPr lang="en-US"/>
               <a:t>Click to edit Master title style</a:t>
             </a:r>
-            <a:endParaRPr lang="en-SI"/>
+            <a:endParaRPr lang="x-none"/>
           </a:p>
         </p:txBody>
       </p:sp>
@@ -184,7 +184,7 @@
           <p:cNvPr id="3" name="Subtitle 2">
             <a:extLst>
               <a:ext uri="{FF2B5EF4-FFF2-40B4-BE49-F238E27FC236}">
-                <a16:creationId xmlns:a16="http://schemas.microsoft.com/office/drawing/2014/main" id="{81C9A1F9-42EA-4F29-80A4-863350EADD80}"/>
+                <a16:creationId xmlns:a16="http://schemas.microsoft.com/office/drawing/2014/main" xmlns="" id="{81C9A1F9-42EA-4F29-80A4-863350EADD80}"/>
               </a:ext>
             </a:extLst>
           </p:cNvPr>
@@ -246,7 +246,7 @@
               <a:rPr lang="en-US"/>
               <a:t>Click to edit Master subtitle style</a:t>
             </a:r>
-            <a:endParaRPr lang="en-SI"/>
+            <a:endParaRPr lang="x-none"/>
           </a:p>
         </p:txBody>
       </p:sp>
@@ -255,7 +255,7 @@
           <p:cNvPr id="4" name="Date Placeholder 3">
             <a:extLst>
               <a:ext uri="{FF2B5EF4-FFF2-40B4-BE49-F238E27FC236}">
-                <a16:creationId xmlns:a16="http://schemas.microsoft.com/office/drawing/2014/main" id="{482215CF-6C1B-47BC-A654-FCE39D172B07}"/>
+                <a16:creationId xmlns:a16="http://schemas.microsoft.com/office/drawing/2014/main" xmlns="" id="{482215CF-6C1B-47BC-A654-FCE39D172B07}"/>
               </a:ext>
             </a:extLst>
           </p:cNvPr>
@@ -272,10 +272,10 @@
           <a:lstStyle/>
           <a:p>
             <a:fld id="{3E7FE2AD-ED8E-4EF7-9DE7-96B888023262}" type="datetimeFigureOut">
-              <a:rPr lang="en-SI" smtClean="0"/>
-              <a:t>27/05/2020</a:t>
+              <a:rPr lang="x-none" smtClean="0"/>
+              <a:t>28-May-20</a:t>
             </a:fld>
-            <a:endParaRPr lang="en-SI"/>
+            <a:endParaRPr lang="x-none"/>
           </a:p>
         </p:txBody>
       </p:sp>
@@ -284,7 +284,7 @@
           <p:cNvPr id="5" name="Footer Placeholder 4">
             <a:extLst>
               <a:ext uri="{FF2B5EF4-FFF2-40B4-BE49-F238E27FC236}">
-                <a16:creationId xmlns:a16="http://schemas.microsoft.com/office/drawing/2014/main" id="{7C5A7C11-D48D-47C2-B969-F7C5E381A014}"/>
+                <a16:creationId xmlns:a16="http://schemas.microsoft.com/office/drawing/2014/main" xmlns="" id="{7C5A7C11-D48D-47C2-B969-F7C5E381A014}"/>
               </a:ext>
             </a:extLst>
           </p:cNvPr>
@@ -300,7 +300,7 @@
           <a:bodyPr/>
           <a:lstStyle/>
           <a:p>
-            <a:endParaRPr lang="en-SI"/>
+            <a:endParaRPr lang="x-none"/>
           </a:p>
         </p:txBody>
       </p:sp>
@@ -309,7 +309,7 @@
           <p:cNvPr id="6" name="Slide Number Placeholder 5">
             <a:extLst>
               <a:ext uri="{FF2B5EF4-FFF2-40B4-BE49-F238E27FC236}">
-                <a16:creationId xmlns:a16="http://schemas.microsoft.com/office/drawing/2014/main" id="{9F78A95E-C864-4CF0-8785-A989A520BB65}"/>
+                <a16:creationId xmlns:a16="http://schemas.microsoft.com/office/drawing/2014/main" xmlns="" id="{9F78A95E-C864-4CF0-8785-A989A520BB65}"/>
               </a:ext>
             </a:extLst>
           </p:cNvPr>
@@ -326,10 +326,10 @@
           <a:lstStyle/>
           <a:p>
             <a:fld id="{71375158-7782-47C8-8D5E-F5E13E1D9D97}" type="slidenum">
-              <a:rPr lang="en-SI" smtClean="0"/>
+              <a:rPr lang="x-none" smtClean="0"/>
               <a:t>‹#›</a:t>
             </a:fld>
-            <a:endParaRPr lang="en-SI"/>
+            <a:endParaRPr lang="x-none"/>
           </a:p>
         </p:txBody>
       </p:sp>
@@ -368,7 +368,7 @@
           <p:cNvPr id="2" name="Title 1">
             <a:extLst>
               <a:ext uri="{FF2B5EF4-FFF2-40B4-BE49-F238E27FC236}">
-                <a16:creationId xmlns:a16="http://schemas.microsoft.com/office/drawing/2014/main" id="{37C62485-AE3D-4C8A-98F9-3E56F44453F8}"/>
+                <a16:creationId xmlns:a16="http://schemas.microsoft.com/office/drawing/2014/main" xmlns="" id="{37C62485-AE3D-4C8A-98F9-3E56F44453F8}"/>
               </a:ext>
             </a:extLst>
           </p:cNvPr>
@@ -388,7 +388,7 @@
               <a:rPr lang="en-US"/>
               <a:t>Click to edit Master title style</a:t>
             </a:r>
-            <a:endParaRPr lang="en-SI"/>
+            <a:endParaRPr lang="x-none"/>
           </a:p>
         </p:txBody>
       </p:sp>
@@ -397,7 +397,7 @@
           <p:cNvPr id="3" name="Vertical Text Placeholder 2">
             <a:extLst>
               <a:ext uri="{FF2B5EF4-FFF2-40B4-BE49-F238E27FC236}">
-                <a16:creationId xmlns:a16="http://schemas.microsoft.com/office/drawing/2014/main" id="{3BFAACDB-492B-4216-9CB2-D0BE7CB0F861}"/>
+                <a16:creationId xmlns:a16="http://schemas.microsoft.com/office/drawing/2014/main" xmlns="" id="{3BFAACDB-492B-4216-9CB2-D0BE7CB0F861}"/>
               </a:ext>
             </a:extLst>
           </p:cNvPr>
@@ -446,7 +446,7 @@
               <a:rPr lang="en-US"/>
               <a:t>Fifth level</a:t>
             </a:r>
-            <a:endParaRPr lang="en-SI"/>
+            <a:endParaRPr lang="x-none"/>
           </a:p>
         </p:txBody>
       </p:sp>
@@ -455,7 +455,7 @@
           <p:cNvPr id="4" name="Date Placeholder 3">
             <a:extLst>
               <a:ext uri="{FF2B5EF4-FFF2-40B4-BE49-F238E27FC236}">
-                <a16:creationId xmlns:a16="http://schemas.microsoft.com/office/drawing/2014/main" id="{48DA0127-0A7E-4F92-BDC5-08F1217BE66A}"/>
+                <a16:creationId xmlns:a16="http://schemas.microsoft.com/office/drawing/2014/main" xmlns="" id="{48DA0127-0A7E-4F92-BDC5-08F1217BE66A}"/>
               </a:ext>
             </a:extLst>
           </p:cNvPr>
@@ -472,10 +472,10 @@
           <a:lstStyle/>
           <a:p>
             <a:fld id="{3E7FE2AD-ED8E-4EF7-9DE7-96B888023262}" type="datetimeFigureOut">
-              <a:rPr lang="en-SI" smtClean="0"/>
-              <a:t>27/05/2020</a:t>
+              <a:rPr lang="x-none" smtClean="0"/>
+              <a:t>28-May-20</a:t>
             </a:fld>
-            <a:endParaRPr lang="en-SI"/>
+            <a:endParaRPr lang="x-none"/>
           </a:p>
         </p:txBody>
       </p:sp>
@@ -484,7 +484,7 @@
           <p:cNvPr id="5" name="Footer Placeholder 4">
             <a:extLst>
               <a:ext uri="{FF2B5EF4-FFF2-40B4-BE49-F238E27FC236}">
-                <a16:creationId xmlns:a16="http://schemas.microsoft.com/office/drawing/2014/main" id="{7548A8A4-E9E8-499A-87AA-95E11411408F}"/>
+                <a16:creationId xmlns:a16="http://schemas.microsoft.com/office/drawing/2014/main" xmlns="" id="{7548A8A4-E9E8-499A-87AA-95E11411408F}"/>
               </a:ext>
             </a:extLst>
           </p:cNvPr>
@@ -500,7 +500,7 @@
           <a:bodyPr/>
           <a:lstStyle/>
           <a:p>
-            <a:endParaRPr lang="en-SI"/>
+            <a:endParaRPr lang="x-none"/>
           </a:p>
         </p:txBody>
       </p:sp>
@@ -509,7 +509,7 @@
           <p:cNvPr id="6" name="Slide Number Placeholder 5">
             <a:extLst>
               <a:ext uri="{FF2B5EF4-FFF2-40B4-BE49-F238E27FC236}">
-                <a16:creationId xmlns:a16="http://schemas.microsoft.com/office/drawing/2014/main" id="{E0F7D0D4-A9EC-41E9-8D27-14E7B0E79C1C}"/>
+                <a16:creationId xmlns:a16="http://schemas.microsoft.com/office/drawing/2014/main" xmlns="" id="{E0F7D0D4-A9EC-41E9-8D27-14E7B0E79C1C}"/>
               </a:ext>
             </a:extLst>
           </p:cNvPr>
@@ -526,10 +526,10 @@
           <a:lstStyle/>
           <a:p>
             <a:fld id="{71375158-7782-47C8-8D5E-F5E13E1D9D97}" type="slidenum">
-              <a:rPr lang="en-SI" smtClean="0"/>
+              <a:rPr lang="x-none" smtClean="0"/>
               <a:t>‹#›</a:t>
             </a:fld>
-            <a:endParaRPr lang="en-SI"/>
+            <a:endParaRPr lang="x-none"/>
           </a:p>
         </p:txBody>
       </p:sp>
@@ -568,7 +568,7 @@
           <p:cNvPr id="2" name="Vertical Title 1">
             <a:extLst>
               <a:ext uri="{FF2B5EF4-FFF2-40B4-BE49-F238E27FC236}">
-                <a16:creationId xmlns:a16="http://schemas.microsoft.com/office/drawing/2014/main" id="{85CB418D-757C-4BFF-A03E-A7949A6BAD04}"/>
+                <a16:creationId xmlns:a16="http://schemas.microsoft.com/office/drawing/2014/main" xmlns="" id="{85CB418D-757C-4BFF-A03E-A7949A6BAD04}"/>
               </a:ext>
             </a:extLst>
           </p:cNvPr>
@@ -593,7 +593,7 @@
               <a:rPr lang="en-US"/>
               <a:t>Click to edit Master title style</a:t>
             </a:r>
-            <a:endParaRPr lang="en-SI"/>
+            <a:endParaRPr lang="x-none"/>
           </a:p>
         </p:txBody>
       </p:sp>
@@ -602,7 +602,7 @@
           <p:cNvPr id="3" name="Vertical Text Placeholder 2">
             <a:extLst>
               <a:ext uri="{FF2B5EF4-FFF2-40B4-BE49-F238E27FC236}">
-                <a16:creationId xmlns:a16="http://schemas.microsoft.com/office/drawing/2014/main" id="{F3F82BE9-76B1-4774-BBBA-76E0C45FB51D}"/>
+                <a16:creationId xmlns:a16="http://schemas.microsoft.com/office/drawing/2014/main" xmlns="" id="{F3F82BE9-76B1-4774-BBBA-76E0C45FB51D}"/>
               </a:ext>
             </a:extLst>
           </p:cNvPr>
@@ -656,7 +656,7 @@
               <a:rPr lang="en-US"/>
               <a:t>Fifth level</a:t>
             </a:r>
-            <a:endParaRPr lang="en-SI"/>
+            <a:endParaRPr lang="x-none"/>
           </a:p>
         </p:txBody>
       </p:sp>
@@ -665,7 +665,7 @@
           <p:cNvPr id="4" name="Date Placeholder 3">
             <a:extLst>
               <a:ext uri="{FF2B5EF4-FFF2-40B4-BE49-F238E27FC236}">
-                <a16:creationId xmlns:a16="http://schemas.microsoft.com/office/drawing/2014/main" id="{D2BF9526-597E-44A6-AB90-3BB53FC45CEC}"/>
+                <a16:creationId xmlns:a16="http://schemas.microsoft.com/office/drawing/2014/main" xmlns="" id="{D2BF9526-597E-44A6-AB90-3BB53FC45CEC}"/>
               </a:ext>
             </a:extLst>
           </p:cNvPr>
@@ -682,10 +682,10 @@
           <a:lstStyle/>
           <a:p>
             <a:fld id="{3E7FE2AD-ED8E-4EF7-9DE7-96B888023262}" type="datetimeFigureOut">
-              <a:rPr lang="en-SI" smtClean="0"/>
-              <a:t>27/05/2020</a:t>
+              <a:rPr lang="x-none" smtClean="0"/>
+              <a:t>28-May-20</a:t>
             </a:fld>
-            <a:endParaRPr lang="en-SI"/>
+            <a:endParaRPr lang="x-none"/>
           </a:p>
         </p:txBody>
       </p:sp>
@@ -694,7 +694,7 @@
           <p:cNvPr id="5" name="Footer Placeholder 4">
             <a:extLst>
               <a:ext uri="{FF2B5EF4-FFF2-40B4-BE49-F238E27FC236}">
-                <a16:creationId xmlns:a16="http://schemas.microsoft.com/office/drawing/2014/main" id="{7F6B1F23-F720-400F-ACA8-FCAE3725954A}"/>
+                <a16:creationId xmlns:a16="http://schemas.microsoft.com/office/drawing/2014/main" xmlns="" id="{7F6B1F23-F720-400F-ACA8-FCAE3725954A}"/>
               </a:ext>
             </a:extLst>
           </p:cNvPr>
@@ -710,7 +710,7 @@
           <a:bodyPr/>
           <a:lstStyle/>
           <a:p>
-            <a:endParaRPr lang="en-SI"/>
+            <a:endParaRPr lang="x-none"/>
           </a:p>
         </p:txBody>
       </p:sp>
@@ -719,7 +719,7 @@
           <p:cNvPr id="6" name="Slide Number Placeholder 5">
             <a:extLst>
               <a:ext uri="{FF2B5EF4-FFF2-40B4-BE49-F238E27FC236}">
-                <a16:creationId xmlns:a16="http://schemas.microsoft.com/office/drawing/2014/main" id="{50CBB193-756A-4280-807A-57249E0AC25A}"/>
+                <a16:creationId xmlns:a16="http://schemas.microsoft.com/office/drawing/2014/main" xmlns="" id="{50CBB193-756A-4280-807A-57249E0AC25A}"/>
               </a:ext>
             </a:extLst>
           </p:cNvPr>
@@ -736,10 +736,10 @@
           <a:lstStyle/>
           <a:p>
             <a:fld id="{71375158-7782-47C8-8D5E-F5E13E1D9D97}" type="slidenum">
-              <a:rPr lang="en-SI" smtClean="0"/>
+              <a:rPr lang="x-none" smtClean="0"/>
               <a:t>‹#›</a:t>
             </a:fld>
-            <a:endParaRPr lang="en-SI"/>
+            <a:endParaRPr lang="x-none"/>
           </a:p>
         </p:txBody>
       </p:sp>
@@ -778,7 +778,7 @@
           <p:cNvPr id="2" name="Title 1">
             <a:extLst>
               <a:ext uri="{FF2B5EF4-FFF2-40B4-BE49-F238E27FC236}">
-                <a16:creationId xmlns:a16="http://schemas.microsoft.com/office/drawing/2014/main" id="{7D5C2911-3B61-49B1-9593-0FCE08FF8985}"/>
+                <a16:creationId xmlns:a16="http://schemas.microsoft.com/office/drawing/2014/main" xmlns="" id="{7D5C2911-3B61-49B1-9593-0FCE08FF8985}"/>
               </a:ext>
             </a:extLst>
           </p:cNvPr>
@@ -798,7 +798,7 @@
               <a:rPr lang="en-US"/>
               <a:t>Click to edit Master title style</a:t>
             </a:r>
-            <a:endParaRPr lang="en-SI"/>
+            <a:endParaRPr lang="x-none"/>
           </a:p>
         </p:txBody>
       </p:sp>
@@ -807,7 +807,7 @@
           <p:cNvPr id="3" name="Content Placeholder 2">
             <a:extLst>
               <a:ext uri="{FF2B5EF4-FFF2-40B4-BE49-F238E27FC236}">
-                <a16:creationId xmlns:a16="http://schemas.microsoft.com/office/drawing/2014/main" id="{418B341B-0EF1-4E26-9348-37BCC10DD550}"/>
+                <a16:creationId xmlns:a16="http://schemas.microsoft.com/office/drawing/2014/main" xmlns="" id="{418B341B-0EF1-4E26-9348-37BCC10DD550}"/>
               </a:ext>
             </a:extLst>
           </p:cNvPr>
@@ -856,7 +856,7 @@
               <a:rPr lang="en-US"/>
               <a:t>Fifth level</a:t>
             </a:r>
-            <a:endParaRPr lang="en-SI"/>
+            <a:endParaRPr lang="x-none"/>
           </a:p>
         </p:txBody>
       </p:sp>
@@ -865,7 +865,7 @@
           <p:cNvPr id="4" name="Date Placeholder 3">
             <a:extLst>
               <a:ext uri="{FF2B5EF4-FFF2-40B4-BE49-F238E27FC236}">
-                <a16:creationId xmlns:a16="http://schemas.microsoft.com/office/drawing/2014/main" id="{D92040DD-667D-43BA-BA74-453DDFD68D4E}"/>
+                <a16:creationId xmlns:a16="http://schemas.microsoft.com/office/drawing/2014/main" xmlns="" id="{D92040DD-667D-43BA-BA74-453DDFD68D4E}"/>
               </a:ext>
             </a:extLst>
           </p:cNvPr>
@@ -882,10 +882,10 @@
           <a:lstStyle/>
           <a:p>
             <a:fld id="{3E7FE2AD-ED8E-4EF7-9DE7-96B888023262}" type="datetimeFigureOut">
-              <a:rPr lang="en-SI" smtClean="0"/>
-              <a:t>27/05/2020</a:t>
+              <a:rPr lang="x-none" smtClean="0"/>
+              <a:t>28-May-20</a:t>
             </a:fld>
-            <a:endParaRPr lang="en-SI"/>
+            <a:endParaRPr lang="x-none"/>
           </a:p>
         </p:txBody>
       </p:sp>
@@ -894,7 +894,7 @@
           <p:cNvPr id="5" name="Footer Placeholder 4">
             <a:extLst>
               <a:ext uri="{FF2B5EF4-FFF2-40B4-BE49-F238E27FC236}">
-                <a16:creationId xmlns:a16="http://schemas.microsoft.com/office/drawing/2014/main" id="{14B2C227-FDC2-45AD-ADB7-1DDF92613439}"/>
+                <a16:creationId xmlns:a16="http://schemas.microsoft.com/office/drawing/2014/main" xmlns="" id="{14B2C227-FDC2-45AD-ADB7-1DDF92613439}"/>
               </a:ext>
             </a:extLst>
           </p:cNvPr>
@@ -910,7 +910,7 @@
           <a:bodyPr/>
           <a:lstStyle/>
           <a:p>
-            <a:endParaRPr lang="en-SI"/>
+            <a:endParaRPr lang="x-none"/>
           </a:p>
         </p:txBody>
       </p:sp>
@@ -919,7 +919,7 @@
           <p:cNvPr id="6" name="Slide Number Placeholder 5">
             <a:extLst>
               <a:ext uri="{FF2B5EF4-FFF2-40B4-BE49-F238E27FC236}">
-                <a16:creationId xmlns:a16="http://schemas.microsoft.com/office/drawing/2014/main" id="{17684C40-C308-4079-BBCD-9138797E4353}"/>
+                <a16:creationId xmlns:a16="http://schemas.microsoft.com/office/drawing/2014/main" xmlns="" id="{17684C40-C308-4079-BBCD-9138797E4353}"/>
               </a:ext>
             </a:extLst>
           </p:cNvPr>
@@ -936,10 +936,10 @@
           <a:lstStyle/>
           <a:p>
             <a:fld id="{71375158-7782-47C8-8D5E-F5E13E1D9D97}" type="slidenum">
-              <a:rPr lang="en-SI" smtClean="0"/>
+              <a:rPr lang="x-none" smtClean="0"/>
               <a:t>‹#›</a:t>
             </a:fld>
-            <a:endParaRPr lang="en-SI"/>
+            <a:endParaRPr lang="x-none"/>
           </a:p>
         </p:txBody>
       </p:sp>
@@ -978,7 +978,7 @@
           <p:cNvPr id="2" name="Title 1">
             <a:extLst>
               <a:ext uri="{FF2B5EF4-FFF2-40B4-BE49-F238E27FC236}">
-                <a16:creationId xmlns:a16="http://schemas.microsoft.com/office/drawing/2014/main" id="{8D2539BC-3347-4C33-8700-F03B2D58D27A}"/>
+                <a16:creationId xmlns:a16="http://schemas.microsoft.com/office/drawing/2014/main" xmlns="" id="{8D2539BC-3347-4C33-8700-F03B2D58D27A}"/>
               </a:ext>
             </a:extLst>
           </p:cNvPr>
@@ -1007,7 +1007,7 @@
               <a:rPr lang="en-US"/>
               <a:t>Click to edit Master title style</a:t>
             </a:r>
-            <a:endParaRPr lang="en-SI"/>
+            <a:endParaRPr lang="x-none"/>
           </a:p>
         </p:txBody>
       </p:sp>
@@ -1016,7 +1016,7 @@
           <p:cNvPr id="3" name="Text Placeholder 2">
             <a:extLst>
               <a:ext uri="{FF2B5EF4-FFF2-40B4-BE49-F238E27FC236}">
-                <a16:creationId xmlns:a16="http://schemas.microsoft.com/office/drawing/2014/main" id="{EEA64D93-586F-4AED-AEF6-6B0AF88D59B7}"/>
+                <a16:creationId xmlns:a16="http://schemas.microsoft.com/office/drawing/2014/main" xmlns="" id="{EEA64D93-586F-4AED-AEF6-6B0AF88D59B7}"/>
               </a:ext>
             </a:extLst>
           </p:cNvPr>
@@ -1141,7 +1141,7 @@
           <p:cNvPr id="4" name="Date Placeholder 3">
             <a:extLst>
               <a:ext uri="{FF2B5EF4-FFF2-40B4-BE49-F238E27FC236}">
-                <a16:creationId xmlns:a16="http://schemas.microsoft.com/office/drawing/2014/main" id="{99B052AC-8094-4197-81FA-2AC459D1A621}"/>
+                <a16:creationId xmlns:a16="http://schemas.microsoft.com/office/drawing/2014/main" xmlns="" id="{99B052AC-8094-4197-81FA-2AC459D1A621}"/>
               </a:ext>
             </a:extLst>
           </p:cNvPr>
@@ -1158,10 +1158,10 @@
           <a:lstStyle/>
           <a:p>
             <a:fld id="{3E7FE2AD-ED8E-4EF7-9DE7-96B888023262}" type="datetimeFigureOut">
-              <a:rPr lang="en-SI" smtClean="0"/>
-              <a:t>27/05/2020</a:t>
+              <a:rPr lang="x-none" smtClean="0"/>
+              <a:t>28-May-20</a:t>
             </a:fld>
-            <a:endParaRPr lang="en-SI"/>
+            <a:endParaRPr lang="x-none"/>
           </a:p>
         </p:txBody>
       </p:sp>
@@ -1170,7 +1170,7 @@
           <p:cNvPr id="5" name="Footer Placeholder 4">
             <a:extLst>
               <a:ext uri="{FF2B5EF4-FFF2-40B4-BE49-F238E27FC236}">
-                <a16:creationId xmlns:a16="http://schemas.microsoft.com/office/drawing/2014/main" id="{DC3F3FD6-4EF6-44A2-B4B6-3A3BF87D1546}"/>
+                <a16:creationId xmlns:a16="http://schemas.microsoft.com/office/drawing/2014/main" xmlns="" id="{DC3F3FD6-4EF6-44A2-B4B6-3A3BF87D1546}"/>
               </a:ext>
             </a:extLst>
           </p:cNvPr>
@@ -1186,7 +1186,7 @@
           <a:bodyPr/>
           <a:lstStyle/>
           <a:p>
-            <a:endParaRPr lang="en-SI"/>
+            <a:endParaRPr lang="x-none"/>
           </a:p>
         </p:txBody>
       </p:sp>
@@ -1195,7 +1195,7 @@
           <p:cNvPr id="6" name="Slide Number Placeholder 5">
             <a:extLst>
               <a:ext uri="{FF2B5EF4-FFF2-40B4-BE49-F238E27FC236}">
-                <a16:creationId xmlns:a16="http://schemas.microsoft.com/office/drawing/2014/main" id="{8C9C61AF-A849-480D-B7E5-D3D4D32D1212}"/>
+                <a16:creationId xmlns:a16="http://schemas.microsoft.com/office/drawing/2014/main" xmlns="" id="{8C9C61AF-A849-480D-B7E5-D3D4D32D1212}"/>
               </a:ext>
             </a:extLst>
           </p:cNvPr>
@@ -1212,10 +1212,10 @@
           <a:lstStyle/>
           <a:p>
             <a:fld id="{71375158-7782-47C8-8D5E-F5E13E1D9D97}" type="slidenum">
-              <a:rPr lang="en-SI" smtClean="0"/>
+              <a:rPr lang="x-none" smtClean="0"/>
               <a:t>‹#›</a:t>
             </a:fld>
-            <a:endParaRPr lang="en-SI"/>
+            <a:endParaRPr lang="x-none"/>
           </a:p>
         </p:txBody>
       </p:sp>
@@ -1254,7 +1254,7 @@
           <p:cNvPr id="2" name="Title 1">
             <a:extLst>
               <a:ext uri="{FF2B5EF4-FFF2-40B4-BE49-F238E27FC236}">
-                <a16:creationId xmlns:a16="http://schemas.microsoft.com/office/drawing/2014/main" id="{E81CBC57-1AFC-4CA4-A031-480BF5D00E74}"/>
+                <a16:creationId xmlns:a16="http://schemas.microsoft.com/office/drawing/2014/main" xmlns="" id="{E81CBC57-1AFC-4CA4-A031-480BF5D00E74}"/>
               </a:ext>
             </a:extLst>
           </p:cNvPr>
@@ -1274,7 +1274,7 @@
               <a:rPr lang="en-US"/>
               <a:t>Click to edit Master title style</a:t>
             </a:r>
-            <a:endParaRPr lang="en-SI"/>
+            <a:endParaRPr lang="x-none"/>
           </a:p>
         </p:txBody>
       </p:sp>
@@ -1283,7 +1283,7 @@
           <p:cNvPr id="3" name="Content Placeholder 2">
             <a:extLst>
               <a:ext uri="{FF2B5EF4-FFF2-40B4-BE49-F238E27FC236}">
-                <a16:creationId xmlns:a16="http://schemas.microsoft.com/office/drawing/2014/main" id="{3206F19C-D704-4051-8793-F3341336DF61}"/>
+                <a16:creationId xmlns:a16="http://schemas.microsoft.com/office/drawing/2014/main" xmlns="" id="{3206F19C-D704-4051-8793-F3341336DF61}"/>
               </a:ext>
             </a:extLst>
           </p:cNvPr>
@@ -1337,7 +1337,7 @@
               <a:rPr lang="en-US"/>
               <a:t>Fifth level</a:t>
             </a:r>
-            <a:endParaRPr lang="en-SI"/>
+            <a:endParaRPr lang="x-none"/>
           </a:p>
         </p:txBody>
       </p:sp>
@@ -1346,7 +1346,7 @@
           <p:cNvPr id="4" name="Content Placeholder 3">
             <a:extLst>
               <a:ext uri="{FF2B5EF4-FFF2-40B4-BE49-F238E27FC236}">
-                <a16:creationId xmlns:a16="http://schemas.microsoft.com/office/drawing/2014/main" id="{C157DAE4-E40D-479D-8166-512C621A178A}"/>
+                <a16:creationId xmlns:a16="http://schemas.microsoft.com/office/drawing/2014/main" xmlns="" id="{C157DAE4-E40D-479D-8166-512C621A178A}"/>
               </a:ext>
             </a:extLst>
           </p:cNvPr>
@@ -1400,7 +1400,7 @@
               <a:rPr lang="en-US"/>
               <a:t>Fifth level</a:t>
             </a:r>
-            <a:endParaRPr lang="en-SI"/>
+            <a:endParaRPr lang="x-none"/>
           </a:p>
         </p:txBody>
       </p:sp>
@@ -1409,7 +1409,7 @@
           <p:cNvPr id="5" name="Date Placeholder 4">
             <a:extLst>
               <a:ext uri="{FF2B5EF4-FFF2-40B4-BE49-F238E27FC236}">
-                <a16:creationId xmlns:a16="http://schemas.microsoft.com/office/drawing/2014/main" id="{EA850F4E-3E86-4968-B958-3E57A3B24F5F}"/>
+                <a16:creationId xmlns:a16="http://schemas.microsoft.com/office/drawing/2014/main" xmlns="" id="{EA850F4E-3E86-4968-B958-3E57A3B24F5F}"/>
               </a:ext>
             </a:extLst>
           </p:cNvPr>
@@ -1426,10 +1426,10 @@
           <a:lstStyle/>
           <a:p>
             <a:fld id="{3E7FE2AD-ED8E-4EF7-9DE7-96B888023262}" type="datetimeFigureOut">
-              <a:rPr lang="en-SI" smtClean="0"/>
-              <a:t>27/05/2020</a:t>
+              <a:rPr lang="x-none" smtClean="0"/>
+              <a:t>28-May-20</a:t>
             </a:fld>
-            <a:endParaRPr lang="en-SI"/>
+            <a:endParaRPr lang="x-none"/>
           </a:p>
         </p:txBody>
       </p:sp>
@@ -1438,7 +1438,7 @@
           <p:cNvPr id="6" name="Footer Placeholder 5">
             <a:extLst>
               <a:ext uri="{FF2B5EF4-FFF2-40B4-BE49-F238E27FC236}">
-                <a16:creationId xmlns:a16="http://schemas.microsoft.com/office/drawing/2014/main" id="{1FFBE305-F039-41D6-8BB6-5938CEF7948E}"/>
+                <a16:creationId xmlns:a16="http://schemas.microsoft.com/office/drawing/2014/main" xmlns="" id="{1FFBE305-F039-41D6-8BB6-5938CEF7948E}"/>
               </a:ext>
             </a:extLst>
           </p:cNvPr>
@@ -1454,7 +1454,7 @@
           <a:bodyPr/>
           <a:lstStyle/>
           <a:p>
-            <a:endParaRPr lang="en-SI"/>
+            <a:endParaRPr lang="x-none"/>
           </a:p>
         </p:txBody>
       </p:sp>
@@ -1463,7 +1463,7 @@
           <p:cNvPr id="7" name="Slide Number Placeholder 6">
             <a:extLst>
               <a:ext uri="{FF2B5EF4-FFF2-40B4-BE49-F238E27FC236}">
-                <a16:creationId xmlns:a16="http://schemas.microsoft.com/office/drawing/2014/main" id="{DB4E54D7-75B8-41A1-A4EF-BD64EE7BA4E5}"/>
+                <a16:creationId xmlns:a16="http://schemas.microsoft.com/office/drawing/2014/main" xmlns="" id="{DB4E54D7-75B8-41A1-A4EF-BD64EE7BA4E5}"/>
               </a:ext>
             </a:extLst>
           </p:cNvPr>
@@ -1480,10 +1480,10 @@
           <a:lstStyle/>
           <a:p>
             <a:fld id="{71375158-7782-47C8-8D5E-F5E13E1D9D97}" type="slidenum">
-              <a:rPr lang="en-SI" smtClean="0"/>
+              <a:rPr lang="x-none" smtClean="0"/>
               <a:t>‹#›</a:t>
             </a:fld>
-            <a:endParaRPr lang="en-SI"/>
+            <a:endParaRPr lang="x-none"/>
           </a:p>
         </p:txBody>
       </p:sp>
@@ -1522,7 +1522,7 @@
           <p:cNvPr id="2" name="Title 1">
             <a:extLst>
               <a:ext uri="{FF2B5EF4-FFF2-40B4-BE49-F238E27FC236}">
-                <a16:creationId xmlns:a16="http://schemas.microsoft.com/office/drawing/2014/main" id="{2D9CCA68-4E9D-47E1-A445-E77646EA043C}"/>
+                <a16:creationId xmlns:a16="http://schemas.microsoft.com/office/drawing/2014/main" xmlns="" id="{2D9CCA68-4E9D-47E1-A445-E77646EA043C}"/>
               </a:ext>
             </a:extLst>
           </p:cNvPr>
@@ -1547,7 +1547,7 @@
               <a:rPr lang="en-US"/>
               <a:t>Click to edit Master title style</a:t>
             </a:r>
-            <a:endParaRPr lang="en-SI"/>
+            <a:endParaRPr lang="x-none"/>
           </a:p>
         </p:txBody>
       </p:sp>
@@ -1556,7 +1556,7 @@
           <p:cNvPr id="3" name="Text Placeholder 2">
             <a:extLst>
               <a:ext uri="{FF2B5EF4-FFF2-40B4-BE49-F238E27FC236}">
-                <a16:creationId xmlns:a16="http://schemas.microsoft.com/office/drawing/2014/main" id="{4260D63C-82D9-4081-A2C2-8C2842FCC771}"/>
+                <a16:creationId xmlns:a16="http://schemas.microsoft.com/office/drawing/2014/main" xmlns="" id="{4260D63C-82D9-4081-A2C2-8C2842FCC771}"/>
               </a:ext>
             </a:extLst>
           </p:cNvPr>
@@ -1627,7 +1627,7 @@
           <p:cNvPr id="4" name="Content Placeholder 3">
             <a:extLst>
               <a:ext uri="{FF2B5EF4-FFF2-40B4-BE49-F238E27FC236}">
-                <a16:creationId xmlns:a16="http://schemas.microsoft.com/office/drawing/2014/main" id="{22DD1D3B-7F72-47D3-9C0B-18C69B4A9023}"/>
+                <a16:creationId xmlns:a16="http://schemas.microsoft.com/office/drawing/2014/main" xmlns="" id="{22DD1D3B-7F72-47D3-9C0B-18C69B4A9023}"/>
               </a:ext>
             </a:extLst>
           </p:cNvPr>
@@ -1681,7 +1681,7 @@
               <a:rPr lang="en-US"/>
               <a:t>Fifth level</a:t>
             </a:r>
-            <a:endParaRPr lang="en-SI"/>
+            <a:endParaRPr lang="x-none"/>
           </a:p>
         </p:txBody>
       </p:sp>
@@ -1690,7 +1690,7 @@
           <p:cNvPr id="5" name="Text Placeholder 4">
             <a:extLst>
               <a:ext uri="{FF2B5EF4-FFF2-40B4-BE49-F238E27FC236}">
-                <a16:creationId xmlns:a16="http://schemas.microsoft.com/office/drawing/2014/main" id="{80705346-EC2F-4DED-8DD6-E5ED838017E3}"/>
+                <a16:creationId xmlns:a16="http://schemas.microsoft.com/office/drawing/2014/main" xmlns="" id="{80705346-EC2F-4DED-8DD6-E5ED838017E3}"/>
               </a:ext>
             </a:extLst>
           </p:cNvPr>
@@ -1761,7 +1761,7 @@
           <p:cNvPr id="6" name="Content Placeholder 5">
             <a:extLst>
               <a:ext uri="{FF2B5EF4-FFF2-40B4-BE49-F238E27FC236}">
-                <a16:creationId xmlns:a16="http://schemas.microsoft.com/office/drawing/2014/main" id="{538B3902-034F-4DF0-95DF-54083EB52495}"/>
+                <a16:creationId xmlns:a16="http://schemas.microsoft.com/office/drawing/2014/main" xmlns="" id="{538B3902-034F-4DF0-95DF-54083EB52495}"/>
               </a:ext>
             </a:extLst>
           </p:cNvPr>
@@ -1815,7 +1815,7 @@
               <a:rPr lang="en-US"/>
               <a:t>Fifth level</a:t>
             </a:r>
-            <a:endParaRPr lang="en-SI"/>
+            <a:endParaRPr lang="x-none"/>
           </a:p>
         </p:txBody>
       </p:sp>
@@ -1824,7 +1824,7 @@
           <p:cNvPr id="7" name="Date Placeholder 6">
             <a:extLst>
               <a:ext uri="{FF2B5EF4-FFF2-40B4-BE49-F238E27FC236}">
-                <a16:creationId xmlns:a16="http://schemas.microsoft.com/office/drawing/2014/main" id="{D438057B-08CC-4210-B28B-8EC539DBB296}"/>
+                <a16:creationId xmlns:a16="http://schemas.microsoft.com/office/drawing/2014/main" xmlns="" id="{D438057B-08CC-4210-B28B-8EC539DBB296}"/>
               </a:ext>
             </a:extLst>
           </p:cNvPr>
@@ -1841,10 +1841,10 @@
           <a:lstStyle/>
           <a:p>
             <a:fld id="{3E7FE2AD-ED8E-4EF7-9DE7-96B888023262}" type="datetimeFigureOut">
-              <a:rPr lang="en-SI" smtClean="0"/>
-              <a:t>27/05/2020</a:t>
+              <a:rPr lang="x-none" smtClean="0"/>
+              <a:t>28-May-20</a:t>
             </a:fld>
-            <a:endParaRPr lang="en-SI"/>
+            <a:endParaRPr lang="x-none"/>
           </a:p>
         </p:txBody>
       </p:sp>
@@ -1853,7 +1853,7 @@
           <p:cNvPr id="8" name="Footer Placeholder 7">
             <a:extLst>
               <a:ext uri="{FF2B5EF4-FFF2-40B4-BE49-F238E27FC236}">
-                <a16:creationId xmlns:a16="http://schemas.microsoft.com/office/drawing/2014/main" id="{4D266E07-AB3E-4F7C-9E21-E9C192A7C5AF}"/>
+                <a16:creationId xmlns:a16="http://schemas.microsoft.com/office/drawing/2014/main" xmlns="" id="{4D266E07-AB3E-4F7C-9E21-E9C192A7C5AF}"/>
               </a:ext>
             </a:extLst>
           </p:cNvPr>
@@ -1869,7 +1869,7 @@
           <a:bodyPr/>
           <a:lstStyle/>
           <a:p>
-            <a:endParaRPr lang="en-SI"/>
+            <a:endParaRPr lang="x-none"/>
           </a:p>
         </p:txBody>
       </p:sp>
@@ -1878,7 +1878,7 @@
           <p:cNvPr id="9" name="Slide Number Placeholder 8">
             <a:extLst>
               <a:ext uri="{FF2B5EF4-FFF2-40B4-BE49-F238E27FC236}">
-                <a16:creationId xmlns:a16="http://schemas.microsoft.com/office/drawing/2014/main" id="{41287154-8AB8-448E-AD8F-E97F2025BEF5}"/>
+                <a16:creationId xmlns:a16="http://schemas.microsoft.com/office/drawing/2014/main" xmlns="" id="{41287154-8AB8-448E-AD8F-E97F2025BEF5}"/>
               </a:ext>
             </a:extLst>
           </p:cNvPr>
@@ -1895,10 +1895,10 @@
           <a:lstStyle/>
           <a:p>
             <a:fld id="{71375158-7782-47C8-8D5E-F5E13E1D9D97}" type="slidenum">
-              <a:rPr lang="en-SI" smtClean="0"/>
+              <a:rPr lang="x-none" smtClean="0"/>
               <a:t>‹#›</a:t>
             </a:fld>
-            <a:endParaRPr lang="en-SI"/>
+            <a:endParaRPr lang="x-none"/>
           </a:p>
         </p:txBody>
       </p:sp>
@@ -1937,7 +1937,7 @@
           <p:cNvPr id="2" name="Title 1">
             <a:extLst>
               <a:ext uri="{FF2B5EF4-FFF2-40B4-BE49-F238E27FC236}">
-                <a16:creationId xmlns:a16="http://schemas.microsoft.com/office/drawing/2014/main" id="{53F41743-57D3-4A3C-945E-4242F1271633}"/>
+                <a16:creationId xmlns:a16="http://schemas.microsoft.com/office/drawing/2014/main" xmlns="" id="{53F41743-57D3-4A3C-945E-4242F1271633}"/>
               </a:ext>
             </a:extLst>
           </p:cNvPr>
@@ -1957,7 +1957,7 @@
               <a:rPr lang="en-US"/>
               <a:t>Click to edit Master title style</a:t>
             </a:r>
-            <a:endParaRPr lang="en-SI"/>
+            <a:endParaRPr lang="x-none"/>
           </a:p>
         </p:txBody>
       </p:sp>
@@ -1966,7 +1966,7 @@
           <p:cNvPr id="3" name="Date Placeholder 2">
             <a:extLst>
               <a:ext uri="{FF2B5EF4-FFF2-40B4-BE49-F238E27FC236}">
-                <a16:creationId xmlns:a16="http://schemas.microsoft.com/office/drawing/2014/main" id="{C6BDB954-6AD8-441C-A5E6-02AF92A86020}"/>
+                <a16:creationId xmlns:a16="http://schemas.microsoft.com/office/drawing/2014/main" xmlns="" id="{C6BDB954-6AD8-441C-A5E6-02AF92A86020}"/>
               </a:ext>
             </a:extLst>
           </p:cNvPr>
@@ -1983,10 +1983,10 @@
           <a:lstStyle/>
           <a:p>
             <a:fld id="{3E7FE2AD-ED8E-4EF7-9DE7-96B888023262}" type="datetimeFigureOut">
-              <a:rPr lang="en-SI" smtClean="0"/>
-              <a:t>27/05/2020</a:t>
+              <a:rPr lang="x-none" smtClean="0"/>
+              <a:t>28-May-20</a:t>
             </a:fld>
-            <a:endParaRPr lang="en-SI"/>
+            <a:endParaRPr lang="x-none"/>
           </a:p>
         </p:txBody>
       </p:sp>
@@ -1995,7 +1995,7 @@
           <p:cNvPr id="4" name="Footer Placeholder 3">
             <a:extLst>
               <a:ext uri="{FF2B5EF4-FFF2-40B4-BE49-F238E27FC236}">
-                <a16:creationId xmlns:a16="http://schemas.microsoft.com/office/drawing/2014/main" id="{7D244142-0C8D-4038-A6BA-3185DD8DAF98}"/>
+                <a16:creationId xmlns:a16="http://schemas.microsoft.com/office/drawing/2014/main" xmlns="" id="{7D244142-0C8D-4038-A6BA-3185DD8DAF98}"/>
               </a:ext>
             </a:extLst>
           </p:cNvPr>
@@ -2011,7 +2011,7 @@
           <a:bodyPr/>
           <a:lstStyle/>
           <a:p>
-            <a:endParaRPr lang="en-SI"/>
+            <a:endParaRPr lang="x-none"/>
           </a:p>
         </p:txBody>
       </p:sp>
@@ -2020,7 +2020,7 @@
           <p:cNvPr id="5" name="Slide Number Placeholder 4">
             <a:extLst>
               <a:ext uri="{FF2B5EF4-FFF2-40B4-BE49-F238E27FC236}">
-                <a16:creationId xmlns:a16="http://schemas.microsoft.com/office/drawing/2014/main" id="{FBEA907C-6C22-4B26-88B1-911C6C781216}"/>
+                <a16:creationId xmlns:a16="http://schemas.microsoft.com/office/drawing/2014/main" xmlns="" id="{FBEA907C-6C22-4B26-88B1-911C6C781216}"/>
               </a:ext>
             </a:extLst>
           </p:cNvPr>
@@ -2037,10 +2037,10 @@
           <a:lstStyle/>
           <a:p>
             <a:fld id="{71375158-7782-47C8-8D5E-F5E13E1D9D97}" type="slidenum">
-              <a:rPr lang="en-SI" smtClean="0"/>
+              <a:rPr lang="x-none" smtClean="0"/>
               <a:t>‹#›</a:t>
             </a:fld>
-            <a:endParaRPr lang="en-SI"/>
+            <a:endParaRPr lang="x-none"/>
           </a:p>
         </p:txBody>
       </p:sp>
@@ -2079,7 +2079,7 @@
           <p:cNvPr id="2" name="Date Placeholder 1">
             <a:extLst>
               <a:ext uri="{FF2B5EF4-FFF2-40B4-BE49-F238E27FC236}">
-                <a16:creationId xmlns:a16="http://schemas.microsoft.com/office/drawing/2014/main" id="{5A1597C0-A9E4-4C6D-A982-276D757F49CE}"/>
+                <a16:creationId xmlns:a16="http://schemas.microsoft.com/office/drawing/2014/main" xmlns="" id="{5A1597C0-A9E4-4C6D-A982-276D757F49CE}"/>
               </a:ext>
             </a:extLst>
           </p:cNvPr>
@@ -2096,10 +2096,10 @@
           <a:lstStyle/>
           <a:p>
             <a:fld id="{3E7FE2AD-ED8E-4EF7-9DE7-96B888023262}" type="datetimeFigureOut">
-              <a:rPr lang="en-SI" smtClean="0"/>
-              <a:t>27/05/2020</a:t>
+              <a:rPr lang="x-none" smtClean="0"/>
+              <a:t>28-May-20</a:t>
             </a:fld>
-            <a:endParaRPr lang="en-SI"/>
+            <a:endParaRPr lang="x-none"/>
           </a:p>
         </p:txBody>
       </p:sp>
@@ -2108,7 +2108,7 @@
           <p:cNvPr id="3" name="Footer Placeholder 2">
             <a:extLst>
               <a:ext uri="{FF2B5EF4-FFF2-40B4-BE49-F238E27FC236}">
-                <a16:creationId xmlns:a16="http://schemas.microsoft.com/office/drawing/2014/main" id="{741DE525-E781-4124-80BF-ABCAE63C8EB2}"/>
+                <a16:creationId xmlns:a16="http://schemas.microsoft.com/office/drawing/2014/main" xmlns="" id="{741DE525-E781-4124-80BF-ABCAE63C8EB2}"/>
               </a:ext>
             </a:extLst>
           </p:cNvPr>
@@ -2124,7 +2124,7 @@
           <a:bodyPr/>
           <a:lstStyle/>
           <a:p>
-            <a:endParaRPr lang="en-SI"/>
+            <a:endParaRPr lang="x-none"/>
           </a:p>
         </p:txBody>
       </p:sp>
@@ -2133,7 +2133,7 @@
           <p:cNvPr id="4" name="Slide Number Placeholder 3">
             <a:extLst>
               <a:ext uri="{FF2B5EF4-FFF2-40B4-BE49-F238E27FC236}">
-                <a16:creationId xmlns:a16="http://schemas.microsoft.com/office/drawing/2014/main" id="{BA106CE8-9F2F-477E-89D4-A53E4D51B16A}"/>
+                <a16:creationId xmlns:a16="http://schemas.microsoft.com/office/drawing/2014/main" xmlns="" id="{BA106CE8-9F2F-477E-89D4-A53E4D51B16A}"/>
               </a:ext>
             </a:extLst>
           </p:cNvPr>
@@ -2150,10 +2150,10 @@
           <a:lstStyle/>
           <a:p>
             <a:fld id="{71375158-7782-47C8-8D5E-F5E13E1D9D97}" type="slidenum">
-              <a:rPr lang="en-SI" smtClean="0"/>
+              <a:rPr lang="x-none" smtClean="0"/>
               <a:t>‹#›</a:t>
             </a:fld>
-            <a:endParaRPr lang="en-SI"/>
+            <a:endParaRPr lang="x-none"/>
           </a:p>
         </p:txBody>
       </p:sp>
@@ -2192,7 +2192,7 @@
           <p:cNvPr id="2" name="Title 1">
             <a:extLst>
               <a:ext uri="{FF2B5EF4-FFF2-40B4-BE49-F238E27FC236}">
-                <a16:creationId xmlns:a16="http://schemas.microsoft.com/office/drawing/2014/main" id="{5B50D3E0-1991-4CFC-81BF-96AC7263B73A}"/>
+                <a16:creationId xmlns:a16="http://schemas.microsoft.com/office/drawing/2014/main" xmlns="" id="{5B50D3E0-1991-4CFC-81BF-96AC7263B73A}"/>
               </a:ext>
             </a:extLst>
           </p:cNvPr>
@@ -2221,7 +2221,7 @@
               <a:rPr lang="en-US"/>
               <a:t>Click to edit Master title style</a:t>
             </a:r>
-            <a:endParaRPr lang="en-SI"/>
+            <a:endParaRPr lang="x-none"/>
           </a:p>
         </p:txBody>
       </p:sp>
@@ -2230,7 +2230,7 @@
           <p:cNvPr id="3" name="Content Placeholder 2">
             <a:extLst>
               <a:ext uri="{FF2B5EF4-FFF2-40B4-BE49-F238E27FC236}">
-                <a16:creationId xmlns:a16="http://schemas.microsoft.com/office/drawing/2014/main" id="{306BA2FC-9B28-42F6-876A-1196FF9F99F8}"/>
+                <a16:creationId xmlns:a16="http://schemas.microsoft.com/office/drawing/2014/main" xmlns="" id="{306BA2FC-9B28-42F6-876A-1196FF9F99F8}"/>
               </a:ext>
             </a:extLst>
           </p:cNvPr>
@@ -2312,7 +2312,7 @@
               <a:rPr lang="en-US"/>
               <a:t>Fifth level</a:t>
             </a:r>
-            <a:endParaRPr lang="en-SI"/>
+            <a:endParaRPr lang="x-none"/>
           </a:p>
         </p:txBody>
       </p:sp>
@@ -2321,7 +2321,7 @@
           <p:cNvPr id="4" name="Text Placeholder 3">
             <a:extLst>
               <a:ext uri="{FF2B5EF4-FFF2-40B4-BE49-F238E27FC236}">
-                <a16:creationId xmlns:a16="http://schemas.microsoft.com/office/drawing/2014/main" id="{1F3A2B60-F03A-4F62-99EC-AE76FEAC5826}"/>
+                <a16:creationId xmlns:a16="http://schemas.microsoft.com/office/drawing/2014/main" xmlns="" id="{1F3A2B60-F03A-4F62-99EC-AE76FEAC5826}"/>
               </a:ext>
             </a:extLst>
           </p:cNvPr>
@@ -2392,7 +2392,7 @@
           <p:cNvPr id="5" name="Date Placeholder 4">
             <a:extLst>
               <a:ext uri="{FF2B5EF4-FFF2-40B4-BE49-F238E27FC236}">
-                <a16:creationId xmlns:a16="http://schemas.microsoft.com/office/drawing/2014/main" id="{CFC2FE46-2760-488D-A7B7-9143864C911F}"/>
+                <a16:creationId xmlns:a16="http://schemas.microsoft.com/office/drawing/2014/main" xmlns="" id="{CFC2FE46-2760-488D-A7B7-9143864C911F}"/>
               </a:ext>
             </a:extLst>
           </p:cNvPr>
@@ -2409,10 +2409,10 @@
           <a:lstStyle/>
           <a:p>
             <a:fld id="{3E7FE2AD-ED8E-4EF7-9DE7-96B888023262}" type="datetimeFigureOut">
-              <a:rPr lang="en-SI" smtClean="0"/>
-              <a:t>27/05/2020</a:t>
+              <a:rPr lang="x-none" smtClean="0"/>
+              <a:t>28-May-20</a:t>
             </a:fld>
-            <a:endParaRPr lang="en-SI"/>
+            <a:endParaRPr lang="x-none"/>
           </a:p>
         </p:txBody>
       </p:sp>
@@ -2421,7 +2421,7 @@
           <p:cNvPr id="6" name="Footer Placeholder 5">
             <a:extLst>
               <a:ext uri="{FF2B5EF4-FFF2-40B4-BE49-F238E27FC236}">
-                <a16:creationId xmlns:a16="http://schemas.microsoft.com/office/drawing/2014/main" id="{2F9719D9-AFDF-4336-88E1-2A3C3241D08B}"/>
+                <a16:creationId xmlns:a16="http://schemas.microsoft.com/office/drawing/2014/main" xmlns="" id="{2F9719D9-AFDF-4336-88E1-2A3C3241D08B}"/>
               </a:ext>
             </a:extLst>
           </p:cNvPr>
@@ -2437,7 +2437,7 @@
           <a:bodyPr/>
           <a:lstStyle/>
           <a:p>
-            <a:endParaRPr lang="en-SI"/>
+            <a:endParaRPr lang="x-none"/>
           </a:p>
         </p:txBody>
       </p:sp>
@@ -2446,7 +2446,7 @@
           <p:cNvPr id="7" name="Slide Number Placeholder 6">
             <a:extLst>
               <a:ext uri="{FF2B5EF4-FFF2-40B4-BE49-F238E27FC236}">
-                <a16:creationId xmlns:a16="http://schemas.microsoft.com/office/drawing/2014/main" id="{D701C4A5-6E15-4686-B1C8-4CA642D3808A}"/>
+                <a16:creationId xmlns:a16="http://schemas.microsoft.com/office/drawing/2014/main" xmlns="" id="{D701C4A5-6E15-4686-B1C8-4CA642D3808A}"/>
               </a:ext>
             </a:extLst>
           </p:cNvPr>
@@ -2463,10 +2463,10 @@
           <a:lstStyle/>
           <a:p>
             <a:fld id="{71375158-7782-47C8-8D5E-F5E13E1D9D97}" type="slidenum">
-              <a:rPr lang="en-SI" smtClean="0"/>
+              <a:rPr lang="x-none" smtClean="0"/>
               <a:t>‹#›</a:t>
             </a:fld>
-            <a:endParaRPr lang="en-SI"/>
+            <a:endParaRPr lang="x-none"/>
           </a:p>
         </p:txBody>
       </p:sp>
@@ -2505,7 +2505,7 @@
           <p:cNvPr id="2" name="Title 1">
             <a:extLst>
               <a:ext uri="{FF2B5EF4-FFF2-40B4-BE49-F238E27FC236}">
-                <a16:creationId xmlns:a16="http://schemas.microsoft.com/office/drawing/2014/main" id="{C497676C-3528-409C-9677-F08A5008EC1B}"/>
+                <a16:creationId xmlns:a16="http://schemas.microsoft.com/office/drawing/2014/main" xmlns="" id="{C497676C-3528-409C-9677-F08A5008EC1B}"/>
               </a:ext>
             </a:extLst>
           </p:cNvPr>
@@ -2534,7 +2534,7 @@
               <a:rPr lang="en-US"/>
               <a:t>Click to edit Master title style</a:t>
             </a:r>
-            <a:endParaRPr lang="en-SI"/>
+            <a:endParaRPr lang="x-none"/>
           </a:p>
         </p:txBody>
       </p:sp>
@@ -2543,7 +2543,7 @@
           <p:cNvPr id="3" name="Picture Placeholder 2">
             <a:extLst>
               <a:ext uri="{FF2B5EF4-FFF2-40B4-BE49-F238E27FC236}">
-                <a16:creationId xmlns:a16="http://schemas.microsoft.com/office/drawing/2014/main" id="{D1E0CB44-0310-47D3-9948-A720A592C519}"/>
+                <a16:creationId xmlns:a16="http://schemas.microsoft.com/office/drawing/2014/main" xmlns="" id="{D1E0CB44-0310-47D3-9948-A720A592C519}"/>
               </a:ext>
             </a:extLst>
           </p:cNvPr>
@@ -2601,7 +2601,7 @@
             </a:lvl9pPr>
           </a:lstStyle>
           <a:p>
-            <a:endParaRPr lang="en-SI"/>
+            <a:endParaRPr lang="x-none"/>
           </a:p>
         </p:txBody>
       </p:sp>
@@ -2610,7 +2610,7 @@
           <p:cNvPr id="4" name="Text Placeholder 3">
             <a:extLst>
               <a:ext uri="{FF2B5EF4-FFF2-40B4-BE49-F238E27FC236}">
-                <a16:creationId xmlns:a16="http://schemas.microsoft.com/office/drawing/2014/main" id="{7EB89A57-21CB-4F38-9351-13C02089AAC6}"/>
+                <a16:creationId xmlns:a16="http://schemas.microsoft.com/office/drawing/2014/main" xmlns="" id="{7EB89A57-21CB-4F38-9351-13C02089AAC6}"/>
               </a:ext>
             </a:extLst>
           </p:cNvPr>
@@ -2681,7 +2681,7 @@
           <p:cNvPr id="5" name="Date Placeholder 4">
             <a:extLst>
               <a:ext uri="{FF2B5EF4-FFF2-40B4-BE49-F238E27FC236}">
-                <a16:creationId xmlns:a16="http://schemas.microsoft.com/office/drawing/2014/main" id="{D563C96F-E881-4DD8-AC46-AF28873D9813}"/>
+                <a16:creationId xmlns:a16="http://schemas.microsoft.com/office/drawing/2014/main" xmlns="" id="{D563C96F-E881-4DD8-AC46-AF28873D9813}"/>
               </a:ext>
             </a:extLst>
           </p:cNvPr>
@@ -2698,10 +2698,10 @@
           <a:lstStyle/>
           <a:p>
             <a:fld id="{3E7FE2AD-ED8E-4EF7-9DE7-96B888023262}" type="datetimeFigureOut">
-              <a:rPr lang="en-SI" smtClean="0"/>
-              <a:t>27/05/2020</a:t>
+              <a:rPr lang="x-none" smtClean="0"/>
+              <a:t>28-May-20</a:t>
             </a:fld>
-            <a:endParaRPr lang="en-SI"/>
+            <a:endParaRPr lang="x-none"/>
           </a:p>
         </p:txBody>
       </p:sp>
@@ -2710,7 +2710,7 @@
           <p:cNvPr id="6" name="Footer Placeholder 5">
             <a:extLst>
               <a:ext uri="{FF2B5EF4-FFF2-40B4-BE49-F238E27FC236}">
-                <a16:creationId xmlns:a16="http://schemas.microsoft.com/office/drawing/2014/main" id="{D8FBA7BC-CB24-4E9A-9328-DFF5F8E60C37}"/>
+                <a16:creationId xmlns:a16="http://schemas.microsoft.com/office/drawing/2014/main" xmlns="" id="{D8FBA7BC-CB24-4E9A-9328-DFF5F8E60C37}"/>
               </a:ext>
             </a:extLst>
           </p:cNvPr>
@@ -2726,7 +2726,7 @@
           <a:bodyPr/>
           <a:lstStyle/>
           <a:p>
-            <a:endParaRPr lang="en-SI"/>
+            <a:endParaRPr lang="x-none"/>
           </a:p>
         </p:txBody>
       </p:sp>
@@ -2735,7 +2735,7 @@
           <p:cNvPr id="7" name="Slide Number Placeholder 6">
             <a:extLst>
               <a:ext uri="{FF2B5EF4-FFF2-40B4-BE49-F238E27FC236}">
-                <a16:creationId xmlns:a16="http://schemas.microsoft.com/office/drawing/2014/main" id="{C531860A-83C3-4E80-8FB0-21AC2132F616}"/>
+                <a16:creationId xmlns:a16="http://schemas.microsoft.com/office/drawing/2014/main" xmlns="" id="{C531860A-83C3-4E80-8FB0-21AC2132F616}"/>
               </a:ext>
             </a:extLst>
           </p:cNvPr>
@@ -2752,10 +2752,10 @@
           <a:lstStyle/>
           <a:p>
             <a:fld id="{71375158-7782-47C8-8D5E-F5E13E1D9D97}" type="slidenum">
-              <a:rPr lang="en-SI" smtClean="0"/>
+              <a:rPr lang="x-none" smtClean="0"/>
               <a:t>‹#›</a:t>
             </a:fld>
-            <a:endParaRPr lang="en-SI"/>
+            <a:endParaRPr lang="x-none"/>
           </a:p>
         </p:txBody>
       </p:sp>
@@ -2799,7 +2799,7 @@
           <p:cNvPr id="2" name="Title Placeholder 1">
             <a:extLst>
               <a:ext uri="{FF2B5EF4-FFF2-40B4-BE49-F238E27FC236}">
-                <a16:creationId xmlns:a16="http://schemas.microsoft.com/office/drawing/2014/main" id="{AB662BC6-6C7F-4E77-B169-57D6AD0B9BAA}"/>
+                <a16:creationId xmlns:a16="http://schemas.microsoft.com/office/drawing/2014/main" xmlns="" id="{AB662BC6-6C7F-4E77-B169-57D6AD0B9BAA}"/>
               </a:ext>
             </a:extLst>
           </p:cNvPr>
@@ -2829,7 +2829,7 @@
               <a:rPr lang="en-US"/>
               <a:t>Click to edit Master title style</a:t>
             </a:r>
-            <a:endParaRPr lang="en-SI"/>
+            <a:endParaRPr lang="x-none"/>
           </a:p>
         </p:txBody>
       </p:sp>
@@ -2838,7 +2838,7 @@
           <p:cNvPr id="3" name="Text Placeholder 2">
             <a:extLst>
               <a:ext uri="{FF2B5EF4-FFF2-40B4-BE49-F238E27FC236}">
-                <a16:creationId xmlns:a16="http://schemas.microsoft.com/office/drawing/2014/main" id="{94EEBF5A-02D0-42AC-BCDF-38A959D2852B}"/>
+                <a16:creationId xmlns:a16="http://schemas.microsoft.com/office/drawing/2014/main" xmlns="" id="{94EEBF5A-02D0-42AC-BCDF-38A959D2852B}"/>
               </a:ext>
             </a:extLst>
           </p:cNvPr>
@@ -2897,7 +2897,7 @@
               <a:rPr lang="en-US"/>
               <a:t>Fifth level</a:t>
             </a:r>
-            <a:endParaRPr lang="en-SI"/>
+            <a:endParaRPr lang="x-none"/>
           </a:p>
         </p:txBody>
       </p:sp>
@@ -2906,7 +2906,7 @@
           <p:cNvPr id="4" name="Date Placeholder 3">
             <a:extLst>
               <a:ext uri="{FF2B5EF4-FFF2-40B4-BE49-F238E27FC236}">
-                <a16:creationId xmlns:a16="http://schemas.microsoft.com/office/drawing/2014/main" id="{ADC6DABE-576F-4336-94E6-B1791100FCE9}"/>
+                <a16:creationId xmlns:a16="http://schemas.microsoft.com/office/drawing/2014/main" xmlns="" id="{ADC6DABE-576F-4336-94E6-B1791100FCE9}"/>
               </a:ext>
             </a:extLst>
           </p:cNvPr>
@@ -2941,10 +2941,10 @@
           </a:lstStyle>
           <a:p>
             <a:fld id="{3E7FE2AD-ED8E-4EF7-9DE7-96B888023262}" type="datetimeFigureOut">
-              <a:rPr lang="en-SI" smtClean="0"/>
-              <a:t>27/05/2020</a:t>
+              <a:rPr lang="x-none" smtClean="0"/>
+              <a:t>28-May-20</a:t>
             </a:fld>
-            <a:endParaRPr lang="en-SI"/>
+            <a:endParaRPr lang="x-none"/>
           </a:p>
         </p:txBody>
       </p:sp>
@@ -2953,7 +2953,7 @@
           <p:cNvPr id="5" name="Footer Placeholder 4">
             <a:extLst>
               <a:ext uri="{FF2B5EF4-FFF2-40B4-BE49-F238E27FC236}">
-                <a16:creationId xmlns:a16="http://schemas.microsoft.com/office/drawing/2014/main" id="{D9E3C0C2-75C4-4934-B167-42FA3133E18E}"/>
+                <a16:creationId xmlns:a16="http://schemas.microsoft.com/office/drawing/2014/main" xmlns="" id="{D9E3C0C2-75C4-4934-B167-42FA3133E18E}"/>
               </a:ext>
             </a:extLst>
           </p:cNvPr>
@@ -2987,7 +2987,7 @@
             </a:lvl1pPr>
           </a:lstStyle>
           <a:p>
-            <a:endParaRPr lang="en-SI"/>
+            <a:endParaRPr lang="x-none"/>
           </a:p>
         </p:txBody>
       </p:sp>
@@ -2996,7 +2996,7 @@
           <p:cNvPr id="6" name="Slide Number Placeholder 5">
             <a:extLst>
               <a:ext uri="{FF2B5EF4-FFF2-40B4-BE49-F238E27FC236}">
-                <a16:creationId xmlns:a16="http://schemas.microsoft.com/office/drawing/2014/main" id="{E81B2388-ABA6-431A-A737-D922D4EC1ED0}"/>
+                <a16:creationId xmlns:a16="http://schemas.microsoft.com/office/drawing/2014/main" xmlns="" id="{E81B2388-ABA6-431A-A737-D922D4EC1ED0}"/>
               </a:ext>
             </a:extLst>
           </p:cNvPr>
@@ -3031,10 +3031,10 @@
           </a:lstStyle>
           <a:p>
             <a:fld id="{71375158-7782-47C8-8D5E-F5E13E1D9D97}" type="slidenum">
-              <a:rPr lang="en-SI" smtClean="0"/>
+              <a:rPr lang="x-none" smtClean="0"/>
               <a:t>‹#›</a:t>
             </a:fld>
-            <a:endParaRPr lang="en-SI"/>
+            <a:endParaRPr lang="x-none"/>
           </a:p>
         </p:txBody>
       </p:sp>
@@ -3245,7 +3245,7 @@
     </p:bodyStyle>
     <p:otherStyle>
       <a:defPPr>
-        <a:defRPr lang="en-SI"/>
+        <a:defRPr lang="x-none"/>
       </a:defPPr>
       <a:lvl1pPr marL="0" algn="l" defTabSz="914400" rtl="0" eaLnBrk="1" latinLnBrk="0" hangingPunct="1">
         <a:defRPr sz="1800" kern="1200">
@@ -3364,7 +3364,7 @@
           <p:cNvPr id="2" name="Title 1">
             <a:extLst>
               <a:ext uri="{FF2B5EF4-FFF2-40B4-BE49-F238E27FC236}">
-                <a16:creationId xmlns:a16="http://schemas.microsoft.com/office/drawing/2014/main" id="{E3C687A0-B64E-4BA6-813A-09861B9E098D}"/>
+                <a16:creationId xmlns:a16="http://schemas.microsoft.com/office/drawing/2014/main" xmlns="" id="{E3C687A0-B64E-4BA6-813A-09861B9E098D}"/>
               </a:ext>
             </a:extLst>
           </p:cNvPr>
@@ -3384,7 +3384,7 @@
               <a:rPr lang="sl-SI" dirty="0"/>
               <a:t>Pozdrav</a:t>
             </a:r>
-            <a:endParaRPr lang="en-SI" dirty="0"/>
+            <a:endParaRPr lang="x-none" dirty="0"/>
           </a:p>
         </p:txBody>
       </p:sp>
@@ -3393,7 +3393,7 @@
           <p:cNvPr id="3" name="Subtitle 2">
             <a:extLst>
               <a:ext uri="{FF2B5EF4-FFF2-40B4-BE49-F238E27FC236}">
-                <a16:creationId xmlns:a16="http://schemas.microsoft.com/office/drawing/2014/main" id="{953A8B6E-5DA1-49E5-A788-C9E63EEE0437}"/>
+                <a16:creationId xmlns:a16="http://schemas.microsoft.com/office/drawing/2014/main" xmlns="" id="{953A8B6E-5DA1-49E5-A788-C9E63EEE0437}"/>
               </a:ext>
             </a:extLst>
           </p:cNvPr>
@@ -3409,7 +3409,7 @@
           <a:bodyPr/>
           <a:lstStyle/>
           <a:p>
-            <a:endParaRPr lang="en-SI"/>
+            <a:endParaRPr lang="x-none"/>
           </a:p>
         </p:txBody>
       </p:sp>
@@ -3448,7 +3448,7 @@
           <p:cNvPr id="2" name="Title 1">
             <a:extLst>
               <a:ext uri="{FF2B5EF4-FFF2-40B4-BE49-F238E27FC236}">
-                <a16:creationId xmlns:a16="http://schemas.microsoft.com/office/drawing/2014/main" id="{439A179D-111A-473B-82F6-39C36AE0200A}"/>
+                <a16:creationId xmlns:a16="http://schemas.microsoft.com/office/drawing/2014/main" xmlns="" id="{439A179D-111A-473B-82F6-39C36AE0200A}"/>
               </a:ext>
             </a:extLst>
           </p:cNvPr>
@@ -3468,7 +3468,7 @@
               <a:rPr lang="sl-SI" dirty="0"/>
               <a:t>Jacobijeva matrika - Domen</a:t>
             </a:r>
-            <a:endParaRPr lang="en-SI" dirty="0"/>
+            <a:endParaRPr lang="x-none" dirty="0"/>
           </a:p>
         </p:txBody>
       </p:sp>
@@ -3477,7 +3477,7 @@
           <p:cNvPr id="3" name="Content Placeholder 2">
             <a:extLst>
               <a:ext uri="{FF2B5EF4-FFF2-40B4-BE49-F238E27FC236}">
-                <a16:creationId xmlns:a16="http://schemas.microsoft.com/office/drawing/2014/main" id="{B82A455A-171C-4CAC-8FE2-814E8557F2FB}"/>
+                <a16:creationId xmlns:a16="http://schemas.microsoft.com/office/drawing/2014/main" xmlns="" id="{B82A455A-171C-4CAC-8FE2-814E8557F2FB}"/>
               </a:ext>
             </a:extLst>
           </p:cNvPr>
@@ -3541,7 +3541,7 @@
               </a:rPr>
               <a:t>Realni del == 0  center</a:t>
             </a:r>
-            <a:endParaRPr lang="en-SI" dirty="0"/>
+            <a:endParaRPr lang="x-none" dirty="0"/>
           </a:p>
         </p:txBody>
       </p:sp>
@@ -3580,7 +3580,7 @@
           <p:cNvPr id="2" name="Title 1">
             <a:extLst>
               <a:ext uri="{FF2B5EF4-FFF2-40B4-BE49-F238E27FC236}">
-                <a16:creationId xmlns:a16="http://schemas.microsoft.com/office/drawing/2014/main" id="{5E4AF1C0-D0ED-4740-8BDB-3D8CA37798F6}"/>
+                <a16:creationId xmlns:a16="http://schemas.microsoft.com/office/drawing/2014/main" xmlns="" id="{5E4AF1C0-D0ED-4740-8BDB-3D8CA37798F6}"/>
               </a:ext>
             </a:extLst>
           </p:cNvPr>
@@ -3600,7 +3600,7 @@
               <a:rPr lang="sl-SI" dirty="0"/>
               <a:t>CENTER - Domen</a:t>
             </a:r>
-            <a:endParaRPr lang="en-SI" dirty="0"/>
+            <a:endParaRPr lang="x-none" dirty="0"/>
           </a:p>
         </p:txBody>
       </p:sp>
@@ -3609,7 +3609,7 @@
           <p:cNvPr id="3" name="Content Placeholder 2">
             <a:extLst>
               <a:ext uri="{FF2B5EF4-FFF2-40B4-BE49-F238E27FC236}">
-                <a16:creationId xmlns:a16="http://schemas.microsoft.com/office/drawing/2014/main" id="{445C0F9B-54B9-40CF-8723-2370A477CCCE}"/>
+                <a16:creationId xmlns:a16="http://schemas.microsoft.com/office/drawing/2014/main" xmlns="" id="{445C0F9B-54B9-40CF-8723-2370A477CCCE}"/>
               </a:ext>
             </a:extLst>
           </p:cNvPr>
@@ -3641,7 +3641,7 @@
               <a:rPr lang="sl-SI" dirty="0"/>
               <a:t>Beta je pa del periode (pi * 2 / beta)</a:t>
             </a:r>
-            <a:endParaRPr lang="en-SI" dirty="0"/>
+            <a:endParaRPr lang="x-none" dirty="0"/>
           </a:p>
         </p:txBody>
       </p:sp>
@@ -3680,7 +3680,7 @@
           <p:cNvPr id="2" name="Title 1">
             <a:extLst>
               <a:ext uri="{FF2B5EF4-FFF2-40B4-BE49-F238E27FC236}">
-                <a16:creationId xmlns:a16="http://schemas.microsoft.com/office/drawing/2014/main" id="{AF07253C-929A-43E9-BE82-343F30066BC2}"/>
+                <a16:creationId xmlns:a16="http://schemas.microsoft.com/office/drawing/2014/main" xmlns="" id="{AF07253C-929A-43E9-BE82-343F30066BC2}"/>
               </a:ext>
             </a:extLst>
           </p:cNvPr>
@@ -3700,7 +3700,7 @@
               <a:rPr lang="sl-SI" dirty="0"/>
               <a:t>SPIRALNI LIJAK - Domen</a:t>
             </a:r>
-            <a:endParaRPr lang="en-SI" dirty="0"/>
+            <a:endParaRPr lang="x-none" dirty="0"/>
           </a:p>
         </p:txBody>
       </p:sp>
@@ -3709,7 +3709,7 @@
           <p:cNvPr id="3" name="Content Placeholder 2">
             <a:extLst>
               <a:ext uri="{FF2B5EF4-FFF2-40B4-BE49-F238E27FC236}">
-                <a16:creationId xmlns:a16="http://schemas.microsoft.com/office/drawing/2014/main" id="{454DC2DC-14ED-4B00-8810-23E1D1D5693D}"/>
+                <a16:creationId xmlns:a16="http://schemas.microsoft.com/office/drawing/2014/main" xmlns="" id="{454DC2DC-14ED-4B00-8810-23E1D1D5693D}"/>
               </a:ext>
             </a:extLst>
           </p:cNvPr>
@@ -3740,7 +3740,7 @@
             <a:pPr marL="0" indent="0">
               <a:buNone/>
             </a:pPr>
-            <a:endParaRPr lang="en-SI" dirty="0"/>
+            <a:endParaRPr lang="x-none" dirty="0"/>
           </a:p>
         </p:txBody>
       </p:sp>
@@ -3779,7 +3779,7 @@
           <p:cNvPr id="2" name="Title 1">
             <a:extLst>
               <a:ext uri="{FF2B5EF4-FFF2-40B4-BE49-F238E27FC236}">
-                <a16:creationId xmlns:a16="http://schemas.microsoft.com/office/drawing/2014/main" id="{7F23CDCD-9F02-4791-A280-FD35433A670A}"/>
+                <a16:creationId xmlns:a16="http://schemas.microsoft.com/office/drawing/2014/main" xmlns="" id="{7F23CDCD-9F02-4791-A280-FD35433A670A}"/>
               </a:ext>
             </a:extLst>
           </p:cNvPr>
@@ -3799,7 +3799,7 @@
               <a:rPr lang="sl-SI" dirty="0"/>
               <a:t>SPIRALNI IZVIR - Domen</a:t>
             </a:r>
-            <a:endParaRPr lang="en-SI" dirty="0"/>
+            <a:endParaRPr lang="x-none" dirty="0"/>
           </a:p>
         </p:txBody>
       </p:sp>
@@ -3808,7 +3808,7 @@
           <p:cNvPr id="3" name="Content Placeholder 2">
             <a:extLst>
               <a:ext uri="{FF2B5EF4-FFF2-40B4-BE49-F238E27FC236}">
-                <a16:creationId xmlns:a16="http://schemas.microsoft.com/office/drawing/2014/main" id="{894A711F-AC45-44C6-AE7A-8F7FF1CED2BD}"/>
+                <a16:creationId xmlns:a16="http://schemas.microsoft.com/office/drawing/2014/main" xmlns="" id="{894A711F-AC45-44C6-AE7A-8F7FF1CED2BD}"/>
               </a:ext>
             </a:extLst>
           </p:cNvPr>
@@ -3836,7 +3836,7 @@
             </a:r>
           </a:p>
           <a:p>
-            <a:endParaRPr lang="en-SI" dirty="0"/>
+            <a:endParaRPr lang="x-none" dirty="0"/>
           </a:p>
         </p:txBody>
       </p:sp>
@@ -3875,7 +3875,7 @@
           <p:cNvPr id="2" name="Title 1">
             <a:extLst>
               <a:ext uri="{FF2B5EF4-FFF2-40B4-BE49-F238E27FC236}">
-                <a16:creationId xmlns:a16="http://schemas.microsoft.com/office/drawing/2014/main" id="{0664F229-773F-48AD-9792-9EF9C793C0E6}"/>
+                <a16:creationId xmlns:a16="http://schemas.microsoft.com/office/drawing/2014/main" xmlns="" id="{0664F229-773F-48AD-9792-9EF9C793C0E6}"/>
               </a:ext>
             </a:extLst>
           </p:cNvPr>
@@ -3895,7 +3895,7 @@
               <a:rPr lang="sl-SI" dirty="0"/>
               <a:t>Opis problema/naloge - Larsen</a:t>
             </a:r>
-            <a:endParaRPr lang="en-SI" dirty="0"/>
+            <a:endParaRPr lang="x-none" dirty="0"/>
           </a:p>
         </p:txBody>
       </p:sp>
@@ -3904,7 +3904,7 @@
           <p:cNvPr id="3" name="Content Placeholder 2">
             <a:extLst>
               <a:ext uri="{FF2B5EF4-FFF2-40B4-BE49-F238E27FC236}">
-                <a16:creationId xmlns:a16="http://schemas.microsoft.com/office/drawing/2014/main" id="{12B76C13-6B22-4567-A423-2F4041B291F1}"/>
+                <a16:creationId xmlns:a16="http://schemas.microsoft.com/office/drawing/2014/main" xmlns="" id="{12B76C13-6B22-4567-A423-2F4041B291F1}"/>
               </a:ext>
             </a:extLst>
           </p:cNvPr>
@@ -3950,7 +3950,7 @@
             </a:r>
           </a:p>
           <a:p>
-            <a:endParaRPr lang="en-SI" dirty="0"/>
+            <a:endParaRPr lang="x-none" dirty="0"/>
           </a:p>
         </p:txBody>
       </p:sp>
@@ -3989,7 +3989,7 @@
           <p:cNvPr id="2" name="Title 1">
             <a:extLst>
               <a:ext uri="{FF2B5EF4-FFF2-40B4-BE49-F238E27FC236}">
-                <a16:creationId xmlns:a16="http://schemas.microsoft.com/office/drawing/2014/main" id="{C062B31E-B4A1-465E-9865-56D38BCB7A68}"/>
+                <a16:creationId xmlns:a16="http://schemas.microsoft.com/office/drawing/2014/main" xmlns="" id="{C062B31E-B4A1-465E-9865-56D38BCB7A68}"/>
               </a:ext>
             </a:extLst>
           </p:cNvPr>
@@ -4009,7 +4009,7 @@
               <a:rPr lang="sl-SI" dirty="0"/>
               <a:t>Dinamika populacije - Larsen</a:t>
             </a:r>
-            <a:endParaRPr lang="en-SI" dirty="0"/>
+            <a:endParaRPr lang="x-none" dirty="0"/>
           </a:p>
         </p:txBody>
       </p:sp>
@@ -4018,7 +4018,7 @@
           <p:cNvPr id="3" name="Content Placeholder 2">
             <a:extLst>
               <a:ext uri="{FF2B5EF4-FFF2-40B4-BE49-F238E27FC236}">
-                <a16:creationId xmlns:a16="http://schemas.microsoft.com/office/drawing/2014/main" id="{C5FC191B-C7D7-4593-8214-2D066CF0FDBF}"/>
+                <a16:creationId xmlns:a16="http://schemas.microsoft.com/office/drawing/2014/main" xmlns="" id="{C5FC191B-C7D7-4593-8214-2D066CF0FDBF}"/>
               </a:ext>
             </a:extLst>
           </p:cNvPr>
@@ -4050,7 +4050,7 @@
               <a:rPr lang="sl-SI" dirty="0"/>
               <a:t>Aij * xi * xj pa je sprememba i-te populacije glede na interakcijo z k-to populacijo (opiši malo kaj to pomeni)</a:t>
             </a:r>
-            <a:endParaRPr lang="en-SI" dirty="0"/>
+            <a:endParaRPr lang="x-none" dirty="0"/>
           </a:p>
         </p:txBody>
       </p:sp>
@@ -4089,7 +4089,7 @@
           <p:cNvPr id="2" name="Title 1">
             <a:extLst>
               <a:ext uri="{FF2B5EF4-FFF2-40B4-BE49-F238E27FC236}">
-                <a16:creationId xmlns:a16="http://schemas.microsoft.com/office/drawing/2014/main" id="{FEA9ECF1-C21D-4044-B225-E28599DA9ECF}"/>
+                <a16:creationId xmlns:a16="http://schemas.microsoft.com/office/drawing/2014/main" xmlns="" id="{FEA9ECF1-C21D-4044-B225-E28599DA9ECF}"/>
               </a:ext>
             </a:extLst>
           </p:cNvPr>
@@ -4109,7 +4109,7 @@
               <a:rPr lang="sl-SI" dirty="0"/>
               <a:t>Naloga 1 - Mustafa</a:t>
             </a:r>
-            <a:endParaRPr lang="en-SI" dirty="0"/>
+            <a:endParaRPr lang="x-none" dirty="0"/>
           </a:p>
         </p:txBody>
       </p:sp>
@@ -4118,7 +4118,7 @@
           <p:cNvPr id="3" name="Content Placeholder 2">
             <a:extLst>
               <a:ext uri="{FF2B5EF4-FFF2-40B4-BE49-F238E27FC236}">
-                <a16:creationId xmlns:a16="http://schemas.microsoft.com/office/drawing/2014/main" id="{22068293-1ADD-4538-8D19-010C646F7701}"/>
+                <a16:creationId xmlns:a16="http://schemas.microsoft.com/office/drawing/2014/main" xmlns="" id="{22068293-1ADD-4538-8D19-010C646F7701}"/>
               </a:ext>
             </a:extLst>
           </p:cNvPr>
@@ -4145,7 +4145,7 @@
             <a:endParaRPr lang="sl-SI" dirty="0"/>
           </a:p>
           <a:p>
-            <a:endParaRPr lang="en-SI" dirty="0"/>
+            <a:endParaRPr lang="x-none" dirty="0"/>
           </a:p>
         </p:txBody>
       </p:sp>
@@ -4184,7 +4184,7 @@
           <p:cNvPr id="2" name="Title 1">
             <a:extLst>
               <a:ext uri="{FF2B5EF4-FFF2-40B4-BE49-F238E27FC236}">
-                <a16:creationId xmlns:a16="http://schemas.microsoft.com/office/drawing/2014/main" id="{ECBE19A7-BC54-430C-B433-36C6C78DFA2A}"/>
+                <a16:creationId xmlns:a16="http://schemas.microsoft.com/office/drawing/2014/main" xmlns="" id="{ECBE19A7-BC54-430C-B433-36C6C78DFA2A}"/>
               </a:ext>
             </a:extLst>
           </p:cNvPr>
@@ -4204,7 +4204,7 @@
               <a:rPr lang="sl-SI" dirty="0"/>
               <a:t>Nadaljevanje Naloga 1 - Mustafa</a:t>
             </a:r>
-            <a:endParaRPr lang="en-SI" dirty="0"/>
+            <a:endParaRPr lang="x-none" dirty="0"/>
           </a:p>
         </p:txBody>
       </p:sp>
@@ -4213,7 +4213,7 @@
           <p:cNvPr id="3" name="Content Placeholder 2">
             <a:extLst>
               <a:ext uri="{FF2B5EF4-FFF2-40B4-BE49-F238E27FC236}">
-                <a16:creationId xmlns:a16="http://schemas.microsoft.com/office/drawing/2014/main" id="{9CE4BFE9-327D-409A-AE2E-B688A95BE4F7}"/>
+                <a16:creationId xmlns:a16="http://schemas.microsoft.com/office/drawing/2014/main" xmlns="" id="{9CE4BFE9-327D-409A-AE2E-B688A95BE4F7}"/>
               </a:ext>
             </a:extLst>
           </p:cNvPr>
@@ -4241,7 +4241,7 @@
             </a:r>
           </a:p>
           <a:p>
-            <a:endParaRPr lang="en-SI" dirty="0"/>
+            <a:endParaRPr lang="x-none" dirty="0"/>
           </a:p>
         </p:txBody>
       </p:sp>
@@ -4280,7 +4280,7 @@
           <p:cNvPr id="2" name="Title 1">
             <a:extLst>
               <a:ext uri="{FF2B5EF4-FFF2-40B4-BE49-F238E27FC236}">
-                <a16:creationId xmlns:a16="http://schemas.microsoft.com/office/drawing/2014/main" id="{07610854-06D4-4223-B2C3-055C83E60C19}"/>
+                <a16:creationId xmlns:a16="http://schemas.microsoft.com/office/drawing/2014/main" xmlns="" id="{07610854-06D4-4223-B2C3-055C83E60C19}"/>
               </a:ext>
             </a:extLst>
           </p:cNvPr>
@@ -4300,7 +4300,7 @@
               <a:rPr lang="sl-SI" dirty="0"/>
               <a:t>Naloga 2 - Mustafa</a:t>
             </a:r>
-            <a:endParaRPr lang="en-SI" dirty="0"/>
+            <a:endParaRPr lang="x-none" dirty="0"/>
           </a:p>
         </p:txBody>
       </p:sp>
@@ -4309,7 +4309,7 @@
           <p:cNvPr id="3" name="Content Placeholder 2">
             <a:extLst>
               <a:ext uri="{FF2B5EF4-FFF2-40B4-BE49-F238E27FC236}">
-                <a16:creationId xmlns:a16="http://schemas.microsoft.com/office/drawing/2014/main" id="{A69EAF7E-F08D-4AE0-9B0C-3093B77EA02E}"/>
+                <a16:creationId xmlns:a16="http://schemas.microsoft.com/office/drawing/2014/main" xmlns="" id="{A69EAF7E-F08D-4AE0-9B0C-3093B77EA02E}"/>
               </a:ext>
             </a:extLst>
           </p:cNvPr>
@@ -4346,7 +4346,7 @@
               <a:rPr lang="sl-SI" dirty="0"/>
               <a:t>Izracunali -A\b (rešimo sistem enačb – najdemo inverz matrike A)</a:t>
             </a:r>
-            <a:endParaRPr lang="en-SI" dirty="0"/>
+            <a:endParaRPr lang="x-none" dirty="0"/>
           </a:p>
         </p:txBody>
       </p:sp>
@@ -4385,7 +4385,7 @@
           <p:cNvPr id="2" name="Title 1">
             <a:extLst>
               <a:ext uri="{FF2B5EF4-FFF2-40B4-BE49-F238E27FC236}">
-                <a16:creationId xmlns:a16="http://schemas.microsoft.com/office/drawing/2014/main" id="{7B036D4C-59D0-4900-ACBE-DFA998DB15FE}"/>
+                <a16:creationId xmlns:a16="http://schemas.microsoft.com/office/drawing/2014/main" xmlns="" id="{7B036D4C-59D0-4900-ACBE-DFA998DB15FE}"/>
               </a:ext>
             </a:extLst>
           </p:cNvPr>
@@ -4405,7 +4405,7 @@
               <a:rPr lang="sl-SI" dirty="0"/>
               <a:t>Naloga 3 - Mustafa</a:t>
             </a:r>
-            <a:endParaRPr lang="en-SI" dirty="0"/>
+            <a:endParaRPr lang="x-none" dirty="0"/>
           </a:p>
         </p:txBody>
       </p:sp>
@@ -4414,7 +4414,7 @@
           <p:cNvPr id="3" name="Content Placeholder 2">
             <a:extLst>
               <a:ext uri="{FF2B5EF4-FFF2-40B4-BE49-F238E27FC236}">
-                <a16:creationId xmlns:a16="http://schemas.microsoft.com/office/drawing/2014/main" id="{DADAD2C3-AA30-4482-819D-B86AB0FC4E6B}"/>
+                <a16:creationId xmlns:a16="http://schemas.microsoft.com/office/drawing/2014/main" xmlns="" id="{DADAD2C3-AA30-4482-819D-B86AB0FC4E6B}"/>
               </a:ext>
             </a:extLst>
           </p:cNvPr>
@@ -4432,8 +4432,60 @@
           <a:p>
             <a:r>
               <a:rPr lang="sl-SI" dirty="0"/>
-              <a:t>Runge Kutta</a:t>
-            </a:r>
+              <a:t>Runge </a:t>
+            </a:r>
+            <a:r>
+              <a:rPr lang="sl-SI" dirty="0" smtClean="0"/>
+              <a:t>Kutta</a:t>
+            </a:r>
+            <a:endParaRPr lang="en-US" dirty="0" smtClean="0"/>
+          </a:p>
+          <a:p>
+            <a:r>
+              <a:rPr lang="en-US" dirty="0" err="1" smtClean="0"/>
+              <a:t>Iterativna</a:t>
+            </a:r>
+            <a:r>
+              <a:rPr lang="en-US" dirty="0" smtClean="0"/>
+              <a:t> </a:t>
+            </a:r>
+            <a:r>
+              <a:rPr lang="en-US" dirty="0" err="1" smtClean="0"/>
+              <a:t>metoda</a:t>
+            </a:r>
+            <a:r>
+              <a:rPr lang="en-US" dirty="0" smtClean="0"/>
+              <a:t> </a:t>
+            </a:r>
+            <a:r>
+              <a:rPr lang="en-US" dirty="0" err="1" smtClean="0"/>
+              <a:t>za</a:t>
+            </a:r>
+            <a:r>
+              <a:rPr lang="en-US" dirty="0" smtClean="0"/>
+              <a:t> </a:t>
+            </a:r>
+            <a:r>
+              <a:rPr lang="en-US" dirty="0" err="1" smtClean="0"/>
+              <a:t>resevanje</a:t>
+            </a:r>
+            <a:r>
+              <a:rPr lang="en-US" dirty="0" smtClean="0"/>
+              <a:t> </a:t>
+            </a:r>
+            <a:r>
+              <a:rPr lang="en-US" dirty="0" err="1" smtClean="0"/>
+              <a:t>diferencialnih</a:t>
+            </a:r>
+            <a:r>
+              <a:rPr lang="en-US" dirty="0" smtClean="0"/>
+              <a:t> </a:t>
+            </a:r>
+            <a:r>
+              <a:rPr lang="en-US" dirty="0" err="1" smtClean="0"/>
+              <a:t>enacb</a:t>
+            </a:r>
+            <a:endParaRPr lang="sl-SI" dirty="0"/>
           </a:p>
           <a:p>
             <a:r>
@@ -4446,7 +4498,7 @@
               <a:rPr lang="sl-SI" dirty="0"/>
               <a:t>Izrisemo dinamiko populacij po casu</a:t>
             </a:r>
-            <a:endParaRPr lang="en-SI" dirty="0"/>
+            <a:endParaRPr lang="x-none" dirty="0"/>
           </a:p>
         </p:txBody>
       </p:sp>
@@ -4485,7 +4537,7 @@
           <p:cNvPr id="2" name="Title 1">
             <a:extLst>
               <a:ext uri="{FF2B5EF4-FFF2-40B4-BE49-F238E27FC236}">
-                <a16:creationId xmlns:a16="http://schemas.microsoft.com/office/drawing/2014/main" id="{0D384556-937A-436C-ADAE-F303F6316AE9}"/>
+                <a16:creationId xmlns:a16="http://schemas.microsoft.com/office/drawing/2014/main" xmlns="" id="{0D384556-937A-436C-ADAE-F303F6316AE9}"/>
               </a:ext>
             </a:extLst>
           </p:cNvPr>
@@ -4505,7 +4557,7 @@
               <a:rPr lang="sl-SI" dirty="0"/>
               <a:t>Naloga 4 - Mustafa</a:t>
             </a:r>
-            <a:endParaRPr lang="en-SI" dirty="0"/>
+            <a:endParaRPr lang="x-none" dirty="0"/>
           </a:p>
         </p:txBody>
       </p:sp>
@@ -4514,7 +4566,7 @@
           <p:cNvPr id="3" name="Content Placeholder 2">
             <a:extLst>
               <a:ext uri="{FF2B5EF4-FFF2-40B4-BE49-F238E27FC236}">
-                <a16:creationId xmlns:a16="http://schemas.microsoft.com/office/drawing/2014/main" id="{4BDD0748-6842-47D0-B9A0-E0D9085C4727}"/>
+                <a16:creationId xmlns:a16="http://schemas.microsoft.com/office/drawing/2014/main" xmlns="" id="{4BDD0748-6842-47D0-B9A0-E0D9085C4727}"/>
               </a:ext>
             </a:extLst>
           </p:cNvPr>
@@ -4546,7 +4598,7 @@
               <a:rPr lang="sl-SI" dirty="0"/>
               <a:t>Vidimo obnasanje ciklicno (v tem primeru)</a:t>
             </a:r>
-            <a:endParaRPr lang="en-SI" dirty="0"/>
+            <a:endParaRPr lang="x-none" dirty="0"/>
           </a:p>
         </p:txBody>
       </p:sp>
@@ -4585,7 +4637,7 @@
           <p:cNvPr id="2" name="Title 1">
             <a:extLst>
               <a:ext uri="{FF2B5EF4-FFF2-40B4-BE49-F238E27FC236}">
-                <a16:creationId xmlns:a16="http://schemas.microsoft.com/office/drawing/2014/main" id="{656D269F-4521-4627-9803-B21146FF7D10}"/>
+                <a16:creationId xmlns:a16="http://schemas.microsoft.com/office/drawing/2014/main" xmlns="" id="{656D269F-4521-4627-9803-B21146FF7D10}"/>
               </a:ext>
             </a:extLst>
           </p:cNvPr>
@@ -4605,7 +4657,7 @@
               <a:rPr lang="sl-SI" dirty="0"/>
               <a:t>Naloga 5 - Domen</a:t>
             </a:r>
-            <a:endParaRPr lang="en-SI" dirty="0"/>
+            <a:endParaRPr lang="x-none" dirty="0"/>
           </a:p>
         </p:txBody>
       </p:sp>
@@ -4614,7 +4666,7 @@
           <p:cNvPr id="3" name="Content Placeholder 2">
             <a:extLst>
               <a:ext uri="{FF2B5EF4-FFF2-40B4-BE49-F238E27FC236}">
-                <a16:creationId xmlns:a16="http://schemas.microsoft.com/office/drawing/2014/main" id="{3A2BD265-6AF4-4A19-89D0-8C69A791C718}"/>
+                <a16:creationId xmlns:a16="http://schemas.microsoft.com/office/drawing/2014/main" xmlns="" id="{3A2BD265-6AF4-4A19-89D0-8C69A791C718}"/>
               </a:ext>
             </a:extLst>
           </p:cNvPr>
@@ -4640,7 +4692,7 @@
               <a:rPr lang="sl-SI" dirty="0"/>
               <a:t>Lastne vrednosti ...</a:t>
             </a:r>
-            <a:endParaRPr lang="en-SI" dirty="0"/>
+            <a:endParaRPr lang="x-none" dirty="0"/>
           </a:p>
         </p:txBody>
       </p:sp>
@@ -4700,7 +4752,7 @@
     </a:clrScheme>
     <a:fontScheme name="Office">
       <a:majorFont>
-        <a:latin typeface="Calibri Light" panose="020F0302020204030204"/>
+        <a:latin typeface="Calibri Light"/>
         <a:ea typeface=""/>
         <a:cs typeface=""/>
         <a:font script="Jpan" typeface="游ゴシック Light"/>
@@ -4752,7 +4804,7 @@
         <a:font script="Tfng" typeface="Ebrima"/>
       </a:majorFont>
       <a:minorFont>
-        <a:latin typeface="Calibri" panose="020F0502020204030204"/>
+        <a:latin typeface="Calibri"/>
         <a:ea typeface=""/>
         <a:cs typeface=""/>
         <a:font script="Jpan" typeface="游ゴシック"/>
@@ -4946,7 +4998,7 @@
   <a:extraClrSchemeLst/>
   <a:extLst>
     <a:ext uri="{05A4C25C-085E-4340-85A3-A5531E510DB2}">
-      <thm15:themeFamily xmlns:thm15="http://schemas.microsoft.com/office/thememl/2012/main" name="Office Theme" id="{62F939B6-93AF-4DB8-9C6B-D6C7DFDC589F}" vid="{4A3C46E8-61CC-4603-A589-7422A47A8E4A}"/>
+      <thm15:themeFamily xmlns:thm15="http://schemas.microsoft.com/office/thememl/2012/main" xmlns="" name="Office Theme" id="{62F939B6-93AF-4DB8-9C6B-D6C7DFDC589F}" vid="{4A3C46E8-61CC-4603-A589-7422A47A8E4A}"/>
     </a:ext>
   </a:extLst>
 </a:theme>
